--- a/Presentation/PresentationPPT.pptx
+++ b/Presentation/PresentationPPT.pptx
@@ -5,7 +5,7 @@
     <p:sldMasterId id="2147483648" r:id="rId1"/>
   </p:sldMasterIdLst>
   <p:notesMasterIdLst>
-    <p:notesMasterId r:id="rId13"/>
+    <p:notesMasterId r:id="rId15"/>
   </p:notesMasterIdLst>
   <p:sldIdLst>
     <p:sldId id="256" r:id="rId2"/>
@@ -18,7 +18,9 @@
     <p:sldId id="261" r:id="rId9"/>
     <p:sldId id="262" r:id="rId10"/>
     <p:sldId id="265" r:id="rId11"/>
-    <p:sldId id="264" r:id="rId12"/>
+    <p:sldId id="267" r:id="rId12"/>
+    <p:sldId id="264" r:id="rId13"/>
+    <p:sldId id="268" r:id="rId14"/>
   </p:sldIdLst>
   <p:sldSz cx="9144000" cy="6858000" type="screen4x3"/>
   <p:notesSz cx="6858000" cy="9144000"/>
@@ -202,7 +204,7 @@
           <a:p>
             <a:fld id="{5696E827-C82B-47F4-A77D-EBDCA69EF2E3}" type="datetimeFigureOut">
               <a:rPr lang="en-US" smtClean="0"/>
-              <a:t>12/8/2015</a:t>
+              <a:t>12/10/2015</a:t>
             </a:fld>
             <a:endParaRPr lang="en-US"/>
           </a:p>
@@ -651,7 +653,7 @@
           <a:p>
             <a:fld id="{87BEFBA1-6649-4927-B7A0-488229632272}" type="datetimeFigureOut">
               <a:rPr lang="en-US" smtClean="0"/>
-              <a:t>12/8/2015</a:t>
+              <a:t>12/10/2015</a:t>
             </a:fld>
             <a:endParaRPr lang="en-US"/>
           </a:p>
@@ -821,7 +823,7 @@
           <a:p>
             <a:fld id="{87BEFBA1-6649-4927-B7A0-488229632272}" type="datetimeFigureOut">
               <a:rPr lang="en-US" smtClean="0"/>
-              <a:t>12/8/2015</a:t>
+              <a:t>12/10/2015</a:t>
             </a:fld>
             <a:endParaRPr lang="en-US"/>
           </a:p>
@@ -1001,7 +1003,7 @@
           <a:p>
             <a:fld id="{87BEFBA1-6649-4927-B7A0-488229632272}" type="datetimeFigureOut">
               <a:rPr lang="en-US" smtClean="0"/>
-              <a:t>12/8/2015</a:t>
+              <a:t>12/10/2015</a:t>
             </a:fld>
             <a:endParaRPr lang="en-US"/>
           </a:p>
@@ -1171,7 +1173,7 @@
           <a:p>
             <a:fld id="{87BEFBA1-6649-4927-B7A0-488229632272}" type="datetimeFigureOut">
               <a:rPr lang="en-US" smtClean="0"/>
-              <a:t>12/8/2015</a:t>
+              <a:t>12/10/2015</a:t>
             </a:fld>
             <a:endParaRPr lang="en-US"/>
           </a:p>
@@ -1417,7 +1419,7 @@
           <a:p>
             <a:fld id="{87BEFBA1-6649-4927-B7A0-488229632272}" type="datetimeFigureOut">
               <a:rPr lang="en-US" smtClean="0"/>
-              <a:t>12/8/2015</a:t>
+              <a:t>12/10/2015</a:t>
             </a:fld>
             <a:endParaRPr lang="en-US"/>
           </a:p>
@@ -1705,7 +1707,7 @@
           <a:p>
             <a:fld id="{87BEFBA1-6649-4927-B7A0-488229632272}" type="datetimeFigureOut">
               <a:rPr lang="en-US" smtClean="0"/>
-              <a:t>12/8/2015</a:t>
+              <a:t>12/10/2015</a:t>
             </a:fld>
             <a:endParaRPr lang="en-US"/>
           </a:p>
@@ -2127,7 +2129,7 @@
           <a:p>
             <a:fld id="{87BEFBA1-6649-4927-B7A0-488229632272}" type="datetimeFigureOut">
               <a:rPr lang="en-US" smtClean="0"/>
-              <a:t>12/8/2015</a:t>
+              <a:t>12/10/2015</a:t>
             </a:fld>
             <a:endParaRPr lang="en-US"/>
           </a:p>
@@ -2245,7 +2247,7 @@
           <a:p>
             <a:fld id="{87BEFBA1-6649-4927-B7A0-488229632272}" type="datetimeFigureOut">
               <a:rPr lang="en-US" smtClean="0"/>
-              <a:t>12/8/2015</a:t>
+              <a:t>12/10/2015</a:t>
             </a:fld>
             <a:endParaRPr lang="en-US"/>
           </a:p>
@@ -2340,7 +2342,7 @@
           <a:p>
             <a:fld id="{87BEFBA1-6649-4927-B7A0-488229632272}" type="datetimeFigureOut">
               <a:rPr lang="en-US" smtClean="0"/>
-              <a:t>12/8/2015</a:t>
+              <a:t>12/10/2015</a:t>
             </a:fld>
             <a:endParaRPr lang="en-US"/>
           </a:p>
@@ -2617,7 +2619,7 @@
           <a:p>
             <a:fld id="{87BEFBA1-6649-4927-B7A0-488229632272}" type="datetimeFigureOut">
               <a:rPr lang="en-US" smtClean="0"/>
-              <a:t>12/8/2015</a:t>
+              <a:t>12/10/2015</a:t>
             </a:fld>
             <a:endParaRPr lang="en-US"/>
           </a:p>
@@ -2870,7 +2872,7 @@
           <a:p>
             <a:fld id="{87BEFBA1-6649-4927-B7A0-488229632272}" type="datetimeFigureOut">
               <a:rPr lang="en-US" smtClean="0"/>
-              <a:t>12/8/2015</a:t>
+              <a:t>12/10/2015</a:t>
             </a:fld>
             <a:endParaRPr lang="en-US"/>
           </a:p>
@@ -3083,7 +3085,7 @@
           <a:p>
             <a:fld id="{87BEFBA1-6649-4927-B7A0-488229632272}" type="datetimeFigureOut">
               <a:rPr lang="en-US" smtClean="0"/>
-              <a:t>12/8/2015</a:t>
+              <a:t>12/10/2015</a:t>
             </a:fld>
             <a:endParaRPr lang="en-US"/>
           </a:p>
@@ -3470,17 +3472,38 @@
         </p:nvSpPr>
         <p:spPr>
           <a:xfrm>
-            <a:off x="685800" y="1295400"/>
-            <a:ext cx="7772400" cy="1470025"/>
-          </a:xfrm>
-        </p:spPr>
-        <p:txBody>
-          <a:bodyPr/>
-          <a:lstStyle/>
-          <a:p>
+            <a:off x="609600" y="1295400"/>
+            <a:ext cx="8077200" cy="1470025"/>
+          </a:xfrm>
+        </p:spPr>
+        <p:txBody>
+          <a:bodyPr>
+            <a:normAutofit fontScale="90000"/>
+          </a:bodyPr>
+          <a:lstStyle/>
+          <a:p>
+            <a:r>
+              <a:rPr lang="en-US" b="1" dirty="0"/>
+              <a:t>Giving Machines Memory and </a:t>
+            </a:r>
+            <a:r>
+              <a:rPr lang="en-US" b="1" dirty="0" smtClean="0"/>
+              <a:t>Focus</a:t>
+            </a:r>
             <a:r>
               <a:rPr lang="en-US" dirty="0" smtClean="0"/>
-              <a:t>Focus and Attention:  Teaching </a:t>
+              <a:t/>
+            </a:r>
+            <a:br>
+              <a:rPr lang="en-US" dirty="0" smtClean="0"/>
+            </a:br>
+            <a:r>
+              <a:rPr lang="en-US" dirty="0" smtClean="0"/>
+              <a:t>Evaluating </a:t>
+            </a:r>
+            <a:r>
+              <a:rPr lang="en-US" dirty="0"/>
+              <a:t>Attention-Based and Memory-Based Neural Network Models on Large Q&amp;A Datasets</a:t>
             </a:r>
             <a:endParaRPr lang="en-US" dirty="0"/>
           </a:p>
@@ -3508,6 +3531,13 @@
             <a:r>
               <a:rPr lang="en-US" dirty="0" err="1" smtClean="0"/>
               <a:t>Strawser</a:t>
+            </a:r>
+            <a:endParaRPr lang="en-US" dirty="0" smtClean="0"/>
+          </a:p>
+          <a:p>
+            <a:r>
+              <a:rPr lang="en-US" dirty="0" smtClean="0"/>
+              <a:t>Final Project</a:t>
             </a:r>
             <a:endParaRPr lang="en-US" dirty="0" smtClean="0"/>
           </a:p>
@@ -3567,6 +3597,59 @@
           <a:p>
             <a:r>
               <a:rPr lang="en-US" dirty="0" smtClean="0"/>
+              <a:t>Experimental Methodology</a:t>
+            </a:r>
+            <a:endParaRPr lang="en-US" dirty="0"/>
+          </a:p>
+        </p:txBody>
+      </p:sp>
+    </p:spTree>
+    <p:extLst>
+      <p:ext uri="{BB962C8B-B14F-4D97-AF65-F5344CB8AC3E}">
+        <p14:creationId xmlns:p14="http://schemas.microsoft.com/office/powerpoint/2010/main" val="3091518183"/>
+      </p:ext>
+    </p:extLst>
+  </p:cSld>
+  <p:clrMapOvr>
+    <a:masterClrMapping/>
+  </p:clrMapOvr>
+</p:sld>
+</file>
+
+<file path=ppt/slides/slide11.xml><?xml version="1.0" encoding="utf-8"?>
+<p:sld xmlns:a="http://schemas.openxmlformats.org/drawingml/2006/main" xmlns:r="http://schemas.openxmlformats.org/officeDocument/2006/relationships" xmlns:p="http://schemas.openxmlformats.org/presentationml/2006/main">
+  <p:cSld>
+    <p:spTree>
+      <p:nvGrpSpPr>
+        <p:cNvPr id="1" name=""/>
+        <p:cNvGrpSpPr/>
+        <p:nvPr/>
+      </p:nvGrpSpPr>
+      <p:grpSpPr>
+        <a:xfrm>
+          <a:off x="0" y="0"/>
+          <a:ext cx="0" cy="0"/>
+          <a:chOff x="0" y="0"/>
+          <a:chExt cx="0" cy="0"/>
+        </a:xfrm>
+      </p:grpSpPr>
+      <p:sp>
+        <p:nvSpPr>
+          <p:cNvPr id="2" name="Title 1"/>
+          <p:cNvSpPr>
+            <a:spLocks noGrp="1"/>
+          </p:cNvSpPr>
+          <p:nvPr>
+            <p:ph type="title"/>
+          </p:nvPr>
+        </p:nvSpPr>
+        <p:spPr/>
+        <p:txBody>
+          <a:bodyPr/>
+          <a:lstStyle/>
+          <a:p>
+            <a:r>
+              <a:rPr lang="en-US" dirty="0" smtClean="0"/>
               <a:t>Results – Correct Responses</a:t>
             </a:r>
             <a:endParaRPr lang="en-US" dirty="0"/>
@@ -3583,14 +3666,14 @@
             <p:ph idx="1"/>
             <p:extLst>
               <p:ext uri="{D42A27DB-BD31-4B8C-83A1-F6EECF244321}">
-                <p14:modId xmlns:p14="http://schemas.microsoft.com/office/powerpoint/2010/main" val="393298141"/>
+                <p14:modId xmlns:p14="http://schemas.microsoft.com/office/powerpoint/2010/main" val="382337422"/>
               </p:ext>
             </p:extLst>
           </p:nvPr>
         </p:nvGraphicFramePr>
         <p:xfrm>
-          <a:off x="457200" y="1600200"/>
-          <a:ext cx="8229600" cy="2966720"/>
+          <a:off x="381000" y="1600200"/>
+          <a:ext cx="8381999" cy="3235960"/>
         </p:xfrm>
         <a:graphic>
           <a:graphicData uri="http://schemas.openxmlformats.org/drawingml/2006/table">
@@ -3599,10 +3682,10 @@
                 <a:tableStyleId>{5C22544A-7EE6-4342-B048-85BDC9FD1C3A}</a:tableStyleId>
               </a:tblPr>
               <a:tblGrid>
-                <a:gridCol w="2057400"/>
-                <a:gridCol w="1752600"/>
-                <a:gridCol w="2057400"/>
-                <a:gridCol w="2362200"/>
+                <a:gridCol w="2328333"/>
+                <a:gridCol w="1629833"/>
+                <a:gridCol w="2061634"/>
+                <a:gridCol w="2362199"/>
               </a:tblGrid>
               <a:tr h="370840">
                 <a:tc>
@@ -3772,6 +3855,10 @@
                     <a:bodyPr/>
                     <a:lstStyle/>
                     <a:p>
+                      <a:r>
+                        <a:rPr lang="en-US" dirty="0" smtClean="0"/>
+                        <a:t>100%</a:t>
+                      </a:r>
                       <a:endParaRPr lang="en-US" dirty="0"/>
                     </a:p>
                   </a:txBody>
@@ -3830,6 +3917,10 @@
                     <a:bodyPr/>
                     <a:lstStyle/>
                     <a:p>
+                      <a:r>
+                        <a:rPr lang="en-US" dirty="0" smtClean="0"/>
+                        <a:t>-</a:t>
+                      </a:r>
                       <a:endParaRPr lang="en-US" dirty="0"/>
                     </a:p>
                   </a:txBody>
@@ -3860,6 +3951,10 @@
                     <a:bodyPr/>
                     <a:lstStyle/>
                     <a:p>
+                      <a:r>
+                        <a:rPr lang="en-US" dirty="0" smtClean="0"/>
+                        <a:t>-</a:t>
+                      </a:r>
                       <a:endParaRPr lang="en-US" dirty="0"/>
                     </a:p>
                   </a:txBody>
@@ -3884,6 +3979,10 @@
                     <a:bodyPr/>
                     <a:lstStyle/>
                     <a:p>
+                      <a:r>
+                        <a:rPr lang="en-US" dirty="0" smtClean="0"/>
+                        <a:t>-</a:t>
+                      </a:r>
                       <a:endParaRPr lang="en-US" dirty="0"/>
                     </a:p>
                   </a:txBody>
@@ -3896,6 +3995,14 @@
                     <a:bodyPr/>
                     <a:lstStyle/>
                     <a:p>
+                      <a:r>
+                        <a:rPr lang="en-US" dirty="0" err="1" smtClean="0"/>
+                        <a:t>WikiQA</a:t>
+                      </a:r>
+                      <a:r>
+                        <a:rPr lang="en-US" baseline="0" dirty="0" smtClean="0"/>
+                        <a:t> (Full)</a:t>
+                      </a:r>
                       <a:endParaRPr lang="en-US" dirty="0"/>
                     </a:p>
                   </a:txBody>
@@ -3906,6 +4013,10 @@
                     <a:bodyPr/>
                     <a:lstStyle/>
                     <a:p>
+                      <a:r>
+                        <a:rPr lang="en-US" dirty="0" smtClean="0"/>
+                        <a:t>-</a:t>
+                      </a:r>
                       <a:endParaRPr lang="en-US" dirty="0"/>
                     </a:p>
                   </a:txBody>
@@ -3916,6 +4027,10 @@
                     <a:bodyPr/>
                     <a:lstStyle/>
                     <a:p>
+                      <a:r>
+                        <a:rPr lang="en-US" dirty="0" smtClean="0"/>
+                        <a:t>14%</a:t>
+                      </a:r>
                       <a:endParaRPr lang="en-US" dirty="0"/>
                     </a:p>
                   </a:txBody>
@@ -3926,6 +4041,10 @@
                     <a:bodyPr/>
                     <a:lstStyle/>
                     <a:p>
+                      <a:r>
+                        <a:rPr lang="en-US" dirty="0" smtClean="0"/>
+                        <a:t>-</a:t>
+                      </a:r>
                       <a:endParaRPr lang="en-US" dirty="0"/>
                     </a:p>
                   </a:txBody>
@@ -3946,6 +4065,10 @@
                         <a:rPr lang="en-US" baseline="0" dirty="0" smtClean="0"/>
                         <a:t> </a:t>
                       </a:r>
+                      <a:r>
+                        <a:rPr lang="en-US" baseline="0" dirty="0" smtClean="0"/>
+                        <a:t>(3,000 Ex)</a:t>
+                      </a:r>
                       <a:endParaRPr lang="en-US" dirty="0"/>
                     </a:p>
                   </a:txBody>
@@ -3956,6 +4079,10 @@
                     <a:bodyPr/>
                     <a:lstStyle/>
                     <a:p>
+                      <a:r>
+                        <a:rPr lang="en-US" dirty="0" smtClean="0"/>
+                        <a:t>-</a:t>
+                      </a:r>
                       <a:endParaRPr lang="en-US" dirty="0"/>
                     </a:p>
                   </a:txBody>
@@ -3980,6 +4107,10 @@
                     <a:bodyPr/>
                     <a:lstStyle/>
                     <a:p>
+                      <a:r>
+                        <a:rPr lang="en-US" dirty="0" smtClean="0"/>
+                        <a:t>-</a:t>
+                      </a:r>
                       <a:endParaRPr lang="en-US" dirty="0"/>
                     </a:p>
                   </a:txBody>
@@ -3992,16 +4123,14 @@
                     <a:bodyPr/>
                     <a:lstStyle/>
                     <a:p>
-                      <a:endParaRPr lang="en-US"/>
-                    </a:p>
-                  </a:txBody>
-                  <a:tcPr/>
-                </a:tc>
-                <a:tc>
-                  <a:txBody>
-                    <a:bodyPr/>
-                    <a:lstStyle/>
-                    <a:p>
+                      <a:r>
+                        <a:rPr lang="en-US" dirty="0" smtClean="0"/>
+                        <a:t>Google-CNN (30,000</a:t>
+                      </a:r>
+                      <a:r>
+                        <a:rPr lang="en-US" baseline="0" dirty="0" smtClean="0"/>
+                        <a:t> Ex)</a:t>
+                      </a:r>
                       <a:endParaRPr lang="en-US" dirty="0"/>
                     </a:p>
                   </a:txBody>
@@ -4012,6 +4141,10 @@
                     <a:bodyPr/>
                     <a:lstStyle/>
                     <a:p>
+                      <a:r>
+                        <a:rPr lang="en-US" dirty="0" smtClean="0"/>
+                        <a:t>-</a:t>
+                      </a:r>
                       <a:endParaRPr lang="en-US" dirty="0"/>
                     </a:p>
                   </a:txBody>
@@ -4022,6 +4155,24 @@
                     <a:bodyPr/>
                     <a:lstStyle/>
                     <a:p>
+                      <a:r>
+                        <a:rPr lang="en-US" dirty="0" smtClean="0"/>
+                        <a:t>73.5%</a:t>
+                      </a:r>
+                      <a:endParaRPr lang="en-US" dirty="0"/>
+                    </a:p>
+                  </a:txBody>
+                  <a:tcPr/>
+                </a:tc>
+                <a:tc>
+                  <a:txBody>
+                    <a:bodyPr/>
+                    <a:lstStyle/>
+                    <a:p>
+                      <a:r>
+                        <a:rPr lang="en-US" dirty="0" smtClean="0"/>
+                        <a:t>-</a:t>
+                      </a:r>
                       <a:endParaRPr lang="en-US" dirty="0"/>
                     </a:p>
                   </a:txBody>
@@ -4035,7 +4186,7 @@
     </p:spTree>
     <p:extLst>
       <p:ext uri="{BB962C8B-B14F-4D97-AF65-F5344CB8AC3E}">
-        <p14:creationId xmlns:p14="http://schemas.microsoft.com/office/powerpoint/2010/main" val="3091518183"/>
+        <p14:creationId xmlns:p14="http://schemas.microsoft.com/office/powerpoint/2010/main" val="1640387727"/>
       </p:ext>
     </p:extLst>
   </p:cSld>
@@ -4045,7 +4196,7 @@
 </p:sld>
 </file>
 
-<file path=ppt/slides/slide11.xml><?xml version="1.0" encoding="utf-8"?>
+<file path=ppt/slides/slide12.xml><?xml version="1.0" encoding="utf-8"?>
 <p:sld xmlns:a="http://schemas.openxmlformats.org/drawingml/2006/main" xmlns:r="http://schemas.openxmlformats.org/officeDocument/2006/relationships" xmlns:p="http://schemas.openxmlformats.org/presentationml/2006/main">
   <p:cSld>
     <p:spTree>
@@ -4086,6 +4237,10 @@
               <a:rPr lang="en-US" b="1" dirty="0" smtClean="0"/>
               <a:t>Conclusions </a:t>
             </a:r>
+            <a:r>
+              <a:rPr lang="en-US" b="1" dirty="0" smtClean="0"/>
+              <a:t>/ Next Steps </a:t>
+            </a:r>
             <a:endParaRPr lang="en-US" b="1" dirty="0"/>
           </a:p>
         </p:txBody>
@@ -4108,23 +4263,79 @@
         </p:spPr>
         <p:txBody>
           <a:bodyPr>
-            <a:normAutofit/>
+            <a:normAutofit lnSpcReduction="10000"/>
           </a:bodyPr>
           <a:lstStyle/>
           <a:p>
             <a:pPr marL="0" indent="0">
               <a:buNone/>
             </a:pPr>
-            <a:endParaRPr lang="en-US" sz="2000" dirty="0" smtClean="0"/>
+            <a:endParaRPr lang="en-US" sz="2700" dirty="0" smtClean="0"/>
           </a:p>
           <a:p>
             <a:pPr marL="0" indent="0">
               <a:buNone/>
             </a:pPr>
             <a:r>
-              <a:rPr lang="en-US" sz="2000" dirty="0" smtClean="0"/>
-              <a:t>Definitely improvement in results of Memory Network Model vs. simple GRU model.   </a:t>
-            </a:r>
+              <a:rPr lang="en-US" sz="2700" dirty="0" smtClean="0"/>
+              <a:t>Definitely </a:t>
+            </a:r>
+            <a:r>
+              <a:rPr lang="en-US" sz="2700" dirty="0" smtClean="0"/>
+              <a:t>improvement in results of Memory Network Model vs. simple GRU </a:t>
+            </a:r>
+            <a:r>
+              <a:rPr lang="en-US" sz="2700" dirty="0" smtClean="0"/>
+              <a:t>model   </a:t>
+            </a:r>
+          </a:p>
+          <a:p>
+            <a:pPr>
+              <a:buFontTx/>
+              <a:buChar char="-"/>
+            </a:pPr>
+            <a:endParaRPr lang="en-US" sz="2700" dirty="0"/>
+          </a:p>
+          <a:p>
+            <a:pPr marL="0" indent="0">
+              <a:buNone/>
+            </a:pPr>
+            <a:r>
+              <a:rPr lang="en-US" sz="2700" dirty="0" smtClean="0"/>
+              <a:t>Models work considerably better with larger datasets</a:t>
+            </a:r>
+            <a:endParaRPr lang="en-US" sz="2700" dirty="0" smtClean="0"/>
+          </a:p>
+          <a:p>
+            <a:pPr marL="0" indent="0">
+              <a:buNone/>
+            </a:pPr>
+            <a:endParaRPr lang="en-US" sz="2700" dirty="0"/>
+          </a:p>
+          <a:p>
+            <a:pPr marL="0" indent="0">
+              <a:buNone/>
+            </a:pPr>
+            <a:r>
+              <a:rPr lang="en-US" sz="2700" dirty="0" smtClean="0"/>
+              <a:t>Comparison against non-neural models </a:t>
+            </a:r>
+          </a:p>
+          <a:p>
+            <a:pPr marL="0" indent="0">
+              <a:buNone/>
+            </a:pPr>
+            <a:endParaRPr lang="en-US" sz="2700" dirty="0"/>
+          </a:p>
+          <a:p>
+            <a:pPr marL="0" indent="0">
+              <a:buNone/>
+            </a:pPr>
+            <a:r>
+              <a:rPr lang="en-US" sz="2700" dirty="0" smtClean="0"/>
+              <a:t>Dynamic Memory Network has been difficult in training and need to annotate fact ordering</a:t>
+            </a:r>
+            <a:endParaRPr lang="en-US" sz="2000" dirty="0" smtClean="0"/>
           </a:p>
           <a:p>
             <a:pPr marL="0" indent="0">
@@ -4132,33 +4343,1168 @@
             </a:pPr>
             <a:endParaRPr lang="en-US" sz="2000" dirty="0"/>
           </a:p>
-          <a:p>
-            <a:pPr marL="0" indent="0">
-              <a:buNone/>
-            </a:pPr>
-            <a:r>
-              <a:rPr lang="en-US" sz="2000" dirty="0" smtClean="0"/>
-              <a:t>Would be wise to compare   </a:t>
-            </a:r>
-          </a:p>
-          <a:p>
-            <a:pPr marL="0" indent="0">
-              <a:buNone/>
-            </a:pPr>
-            <a:endParaRPr lang="en-US" sz="2000" dirty="0" smtClean="0"/>
-          </a:p>
-          <a:p>
-            <a:pPr marL="0" indent="0">
-              <a:buNone/>
-            </a:pPr>
-            <a:endParaRPr lang="en-US" sz="2000" dirty="0"/>
-          </a:p>
         </p:txBody>
       </p:sp>
     </p:spTree>
     <p:extLst>
       <p:ext uri="{BB962C8B-B14F-4D97-AF65-F5344CB8AC3E}">
         <p14:creationId xmlns:p14="http://schemas.microsoft.com/office/powerpoint/2010/main" val="2851574636"/>
+      </p:ext>
+    </p:extLst>
+  </p:cSld>
+  <p:clrMapOvr>
+    <a:masterClrMapping/>
+  </p:clrMapOvr>
+</p:sld>
+</file>
+
+<file path=ppt/slides/slide13.xml><?xml version="1.0" encoding="utf-8"?>
+<p:sld xmlns:a="http://schemas.openxmlformats.org/drawingml/2006/main" xmlns:r="http://schemas.openxmlformats.org/officeDocument/2006/relationships" xmlns:p="http://schemas.openxmlformats.org/presentationml/2006/main">
+  <p:cSld>
+    <p:spTree>
+      <p:nvGrpSpPr>
+        <p:cNvPr id="1" name=""/>
+        <p:cNvGrpSpPr/>
+        <p:nvPr/>
+      </p:nvGrpSpPr>
+      <p:grpSpPr>
+        <a:xfrm>
+          <a:off x="0" y="0"/>
+          <a:ext cx="0" cy="0"/>
+          <a:chOff x="0" y="0"/>
+          <a:chExt cx="0" cy="0"/>
+        </a:xfrm>
+      </p:grpSpPr>
+      <p:sp>
+        <p:nvSpPr>
+          <p:cNvPr id="19" name="Rounded Rectangle 18"/>
+          <p:cNvSpPr/>
+          <p:nvPr/>
+        </p:nvSpPr>
+        <p:spPr>
+          <a:xfrm>
+            <a:off x="2057400" y="4661452"/>
+            <a:ext cx="6781800" cy="917136"/>
+          </a:xfrm>
+          <a:prstGeom prst="roundRect">
+            <a:avLst/>
+          </a:prstGeom>
+        </p:spPr>
+        <p:style>
+          <a:lnRef idx="2">
+            <a:schemeClr val="accent1">
+              <a:shade val="50000"/>
+            </a:schemeClr>
+          </a:lnRef>
+          <a:fillRef idx="1">
+            <a:schemeClr val="accent1"/>
+          </a:fillRef>
+          <a:effectRef idx="0">
+            <a:schemeClr val="accent1"/>
+          </a:effectRef>
+          <a:fontRef idx="minor">
+            <a:schemeClr val="lt1"/>
+          </a:fontRef>
+        </p:style>
+        <p:txBody>
+          <a:bodyPr rtlCol="0" anchor="ctr"/>
+          <a:lstStyle/>
+          <a:p>
+            <a:pPr algn="ctr"/>
+            <a:endParaRPr lang="en-US"/>
+          </a:p>
+        </p:txBody>
+      </p:sp>
+      <p:sp>
+        <p:nvSpPr>
+          <p:cNvPr id="15" name="Rounded Rectangle 14"/>
+          <p:cNvSpPr/>
+          <p:nvPr/>
+        </p:nvSpPr>
+        <p:spPr>
+          <a:xfrm>
+            <a:off x="2057400" y="3462130"/>
+            <a:ext cx="6781800" cy="917136"/>
+          </a:xfrm>
+          <a:prstGeom prst="roundRect">
+            <a:avLst/>
+          </a:prstGeom>
+        </p:spPr>
+        <p:style>
+          <a:lnRef idx="2">
+            <a:schemeClr val="accent1">
+              <a:shade val="50000"/>
+            </a:schemeClr>
+          </a:lnRef>
+          <a:fillRef idx="1">
+            <a:schemeClr val="accent1"/>
+          </a:fillRef>
+          <a:effectRef idx="0">
+            <a:schemeClr val="accent1"/>
+          </a:effectRef>
+          <a:fontRef idx="minor">
+            <a:schemeClr val="lt1"/>
+          </a:fontRef>
+        </p:style>
+        <p:txBody>
+          <a:bodyPr rtlCol="0" anchor="ctr"/>
+          <a:lstStyle/>
+          <a:p>
+            <a:pPr algn="ctr"/>
+            <a:endParaRPr lang="en-US"/>
+          </a:p>
+        </p:txBody>
+      </p:sp>
+      <p:sp>
+        <p:nvSpPr>
+          <p:cNvPr id="13" name="Rounded Rectangle 12"/>
+          <p:cNvSpPr/>
+          <p:nvPr/>
+        </p:nvSpPr>
+        <p:spPr>
+          <a:xfrm>
+            <a:off x="2057400" y="2255651"/>
+            <a:ext cx="6781800" cy="917136"/>
+          </a:xfrm>
+          <a:prstGeom prst="roundRect">
+            <a:avLst/>
+          </a:prstGeom>
+        </p:spPr>
+        <p:style>
+          <a:lnRef idx="2">
+            <a:schemeClr val="accent1">
+              <a:shade val="50000"/>
+            </a:schemeClr>
+          </a:lnRef>
+          <a:fillRef idx="1">
+            <a:schemeClr val="accent1"/>
+          </a:fillRef>
+          <a:effectRef idx="0">
+            <a:schemeClr val="accent1"/>
+          </a:effectRef>
+          <a:fontRef idx="minor">
+            <a:schemeClr val="lt1"/>
+          </a:fontRef>
+        </p:style>
+        <p:txBody>
+          <a:bodyPr rtlCol="0" anchor="ctr"/>
+          <a:lstStyle/>
+          <a:p>
+            <a:pPr algn="ctr"/>
+            <a:endParaRPr lang="en-US"/>
+          </a:p>
+        </p:txBody>
+      </p:sp>
+      <p:sp>
+        <p:nvSpPr>
+          <p:cNvPr id="8" name="Rounded Rectangle 7"/>
+          <p:cNvSpPr/>
+          <p:nvPr/>
+        </p:nvSpPr>
+        <p:spPr>
+          <a:xfrm>
+            <a:off x="2057400" y="1066800"/>
+            <a:ext cx="6781800" cy="917136"/>
+          </a:xfrm>
+          <a:prstGeom prst="roundRect">
+            <a:avLst/>
+          </a:prstGeom>
+        </p:spPr>
+        <p:style>
+          <a:lnRef idx="2">
+            <a:schemeClr val="accent1">
+              <a:shade val="50000"/>
+            </a:schemeClr>
+          </a:lnRef>
+          <a:fillRef idx="1">
+            <a:schemeClr val="accent1"/>
+          </a:fillRef>
+          <a:effectRef idx="0">
+            <a:schemeClr val="accent1"/>
+          </a:effectRef>
+          <a:fontRef idx="minor">
+            <a:schemeClr val="lt1"/>
+          </a:fontRef>
+        </p:style>
+        <p:txBody>
+          <a:bodyPr rtlCol="0" anchor="ctr"/>
+          <a:lstStyle/>
+          <a:p>
+            <a:pPr algn="ctr"/>
+            <a:endParaRPr lang="en-US"/>
+          </a:p>
+        </p:txBody>
+      </p:sp>
+      <p:sp>
+        <p:nvSpPr>
+          <p:cNvPr id="2" name="Title 1"/>
+          <p:cNvSpPr>
+            <a:spLocks noGrp="1"/>
+          </p:cNvSpPr>
+          <p:nvPr>
+            <p:ph type="title"/>
+          </p:nvPr>
+        </p:nvSpPr>
+        <p:spPr>
+          <a:xfrm>
+            <a:off x="457200" y="0"/>
+            <a:ext cx="8229600" cy="1143000"/>
+          </a:xfrm>
+        </p:spPr>
+        <p:txBody>
+          <a:bodyPr/>
+          <a:lstStyle/>
+          <a:p>
+            <a:r>
+              <a:rPr lang="en-US" b="1" dirty="0" smtClean="0"/>
+              <a:t>Select References </a:t>
+            </a:r>
+            <a:endParaRPr lang="en-US" b="1" dirty="0"/>
+          </a:p>
+        </p:txBody>
+      </p:sp>
+      <p:sp>
+        <p:nvSpPr>
+          <p:cNvPr id="5" name="TextBox 4"/>
+          <p:cNvSpPr txBox="1"/>
+          <p:nvPr/>
+        </p:nvSpPr>
+        <p:spPr>
+          <a:xfrm>
+            <a:off x="2209800" y="1152939"/>
+            <a:ext cx="6781800" cy="830997"/>
+          </a:xfrm>
+          <a:prstGeom prst="rect">
+            <a:avLst/>
+          </a:prstGeom>
+          <a:noFill/>
+        </p:spPr>
+        <p:txBody>
+          <a:bodyPr wrap="square" rtlCol="0">
+            <a:spAutoFit/>
+          </a:bodyPr>
+          <a:lstStyle/>
+          <a:p>
+            <a:r>
+              <a:rPr lang="en-US" sz="1600" dirty="0">
+                <a:solidFill>
+                  <a:schemeClr val="bg1"/>
+                </a:solidFill>
+              </a:rPr>
+              <a:t>Kumar, Ankit; </a:t>
+            </a:r>
+            <a:r>
+              <a:rPr lang="en-US" sz="1600" dirty="0" err="1" smtClean="0">
+                <a:solidFill>
+                  <a:schemeClr val="bg1"/>
+                </a:solidFill>
+              </a:rPr>
+              <a:t>Irsoy</a:t>
+            </a:r>
+            <a:r>
+              <a:rPr lang="en-US" sz="1600" dirty="0" smtClean="0">
+                <a:solidFill>
+                  <a:schemeClr val="bg1"/>
+                </a:solidFill>
+              </a:rPr>
+              <a:t>, </a:t>
+            </a:r>
+            <a:r>
+              <a:rPr lang="en-US" sz="1600" dirty="0" err="1" smtClean="0">
+                <a:solidFill>
+                  <a:schemeClr val="bg1"/>
+                </a:solidFill>
+              </a:rPr>
+              <a:t>Ozan</a:t>
+            </a:r>
+            <a:r>
+              <a:rPr lang="en-US" sz="1600" dirty="0" smtClean="0">
+                <a:solidFill>
+                  <a:schemeClr val="bg1"/>
+                </a:solidFill>
+              </a:rPr>
+              <a:t>; </a:t>
+            </a:r>
+            <a:r>
+              <a:rPr lang="en-US" sz="1600" dirty="0" err="1" smtClean="0">
+                <a:solidFill>
+                  <a:schemeClr val="bg1"/>
+                </a:solidFill>
+              </a:rPr>
+              <a:t>Ondruska</a:t>
+            </a:r>
+            <a:r>
+              <a:rPr lang="en-US" sz="1600" dirty="0" smtClean="0">
+                <a:solidFill>
+                  <a:schemeClr val="bg1"/>
+                </a:solidFill>
+              </a:rPr>
+              <a:t>, Peter; </a:t>
+            </a:r>
+            <a:r>
+              <a:rPr lang="en-US" sz="1600" dirty="0" err="1" smtClean="0">
+                <a:solidFill>
+                  <a:schemeClr val="bg1"/>
+                </a:solidFill>
+              </a:rPr>
+              <a:t>Iyyer</a:t>
+            </a:r>
+            <a:r>
+              <a:rPr lang="en-US" sz="1600" dirty="0" smtClean="0">
+                <a:solidFill>
+                  <a:schemeClr val="bg1"/>
+                </a:solidFill>
+              </a:rPr>
+              <a:t>, </a:t>
+            </a:r>
+            <a:r>
+              <a:rPr lang="en-US" sz="1600" dirty="0" err="1" smtClean="0">
+                <a:solidFill>
+                  <a:schemeClr val="bg1"/>
+                </a:solidFill>
+              </a:rPr>
+              <a:t>Mohit</a:t>
+            </a:r>
+            <a:r>
+              <a:rPr lang="en-US" sz="1600" dirty="0">
+                <a:solidFill>
+                  <a:schemeClr val="bg1"/>
+                </a:solidFill>
+              </a:rPr>
+              <a:t>;</a:t>
+            </a:r>
+            <a:r>
+              <a:rPr lang="en-US" sz="1600" dirty="0" smtClean="0">
+                <a:solidFill>
+                  <a:schemeClr val="bg1"/>
+                </a:solidFill>
+              </a:rPr>
+              <a:t> Bradbury, James; </a:t>
+            </a:r>
+            <a:r>
+              <a:rPr lang="en-US" sz="1600" dirty="0" err="1" smtClean="0">
+                <a:solidFill>
+                  <a:schemeClr val="bg1"/>
+                </a:solidFill>
+              </a:rPr>
+              <a:t>Gulrajani</a:t>
+            </a:r>
+            <a:r>
+              <a:rPr lang="en-US" sz="1600" dirty="0" smtClean="0">
+                <a:solidFill>
+                  <a:schemeClr val="bg1"/>
+                </a:solidFill>
+              </a:rPr>
+              <a:t>, Ishaan; </a:t>
+            </a:r>
+            <a:r>
+              <a:rPr lang="en-US" sz="1600" dirty="0" err="1" smtClean="0">
+                <a:solidFill>
+                  <a:schemeClr val="bg1"/>
+                </a:solidFill>
+              </a:rPr>
+              <a:t>Socher</a:t>
+            </a:r>
+            <a:r>
+              <a:rPr lang="en-US" sz="1600" dirty="0" smtClean="0">
+                <a:solidFill>
+                  <a:schemeClr val="bg1"/>
+                </a:solidFill>
+              </a:rPr>
+              <a:t>, Richard.  </a:t>
+            </a:r>
+            <a:r>
+              <a:rPr lang="en-US" sz="1600" b="1" dirty="0" smtClean="0">
+                <a:solidFill>
+                  <a:schemeClr val="bg1"/>
+                </a:solidFill>
+              </a:rPr>
+              <a:t>Ask Me Anything:  Dynamic Memory Networks for Natural Language Processing</a:t>
+            </a:r>
+            <a:r>
+              <a:rPr lang="en-US" sz="1600" dirty="0" smtClean="0">
+                <a:solidFill>
+                  <a:schemeClr val="bg1"/>
+                </a:solidFill>
+              </a:rPr>
+              <a:t>.  </a:t>
+            </a:r>
+            <a:r>
+              <a:rPr lang="en-US" sz="1600" dirty="0" err="1" smtClean="0">
+                <a:solidFill>
+                  <a:schemeClr val="bg1"/>
+                </a:solidFill>
+              </a:rPr>
+              <a:t>CoRR.</a:t>
+            </a:r>
+            <a:r>
+              <a:rPr lang="en-US" sz="1600" dirty="0" smtClean="0">
+                <a:solidFill>
+                  <a:schemeClr val="bg1"/>
+                </a:solidFill>
+              </a:rPr>
+              <a:t>  July, 2015.  </a:t>
+            </a:r>
+            <a:endParaRPr lang="en-US" sz="1600" dirty="0">
+              <a:solidFill>
+                <a:schemeClr val="bg1"/>
+              </a:solidFill>
+            </a:endParaRPr>
+          </a:p>
+        </p:txBody>
+      </p:sp>
+      <p:sp>
+        <p:nvSpPr>
+          <p:cNvPr id="6" name="TextBox 5"/>
+          <p:cNvSpPr txBox="1"/>
+          <p:nvPr/>
+        </p:nvSpPr>
+        <p:spPr>
+          <a:xfrm>
+            <a:off x="2209800" y="2421832"/>
+            <a:ext cx="5943600" cy="584775"/>
+          </a:xfrm>
+          <a:prstGeom prst="rect">
+            <a:avLst/>
+          </a:prstGeom>
+          <a:noFill/>
+        </p:spPr>
+        <p:txBody>
+          <a:bodyPr wrap="square" rtlCol="0">
+            <a:spAutoFit/>
+          </a:bodyPr>
+          <a:lstStyle/>
+          <a:p>
+            <a:r>
+              <a:rPr lang="en-US" sz="1600" dirty="0" err="1" smtClean="0">
+                <a:solidFill>
+                  <a:schemeClr val="bg1"/>
+                </a:solidFill>
+              </a:rPr>
+              <a:t>Sukhbaatar</a:t>
+            </a:r>
+            <a:r>
+              <a:rPr lang="en-US" sz="1600" dirty="0" smtClean="0">
+                <a:solidFill>
+                  <a:schemeClr val="bg1"/>
+                </a:solidFill>
+              </a:rPr>
+              <a:t>, </a:t>
+            </a:r>
+            <a:r>
+              <a:rPr lang="en-US" sz="1600" dirty="0" err="1" smtClean="0">
+                <a:solidFill>
+                  <a:schemeClr val="bg1"/>
+                </a:solidFill>
+              </a:rPr>
+              <a:t>Sainbayar</a:t>
+            </a:r>
+            <a:r>
+              <a:rPr lang="en-US" sz="1600" dirty="0" smtClean="0">
+                <a:solidFill>
+                  <a:schemeClr val="bg1"/>
+                </a:solidFill>
+              </a:rPr>
+              <a:t>; </a:t>
+            </a:r>
+            <a:r>
+              <a:rPr lang="en-US" sz="1600" dirty="0" err="1" smtClean="0">
+                <a:solidFill>
+                  <a:schemeClr val="bg1"/>
+                </a:solidFill>
+              </a:rPr>
+              <a:t>Szlam</a:t>
+            </a:r>
+            <a:r>
+              <a:rPr lang="en-US" sz="1600" dirty="0" smtClean="0">
+                <a:solidFill>
+                  <a:schemeClr val="bg1"/>
+                </a:solidFill>
+              </a:rPr>
+              <a:t>, Arthur; Weston, Jason; Fergus, Rob.  </a:t>
+            </a:r>
+            <a:r>
+              <a:rPr lang="en-US" sz="1600" b="1" dirty="0" smtClean="0">
+                <a:solidFill>
+                  <a:schemeClr val="bg1"/>
+                </a:solidFill>
+              </a:rPr>
+              <a:t>End-To-End Memory Networks.</a:t>
+            </a:r>
+            <a:r>
+              <a:rPr lang="en-US" sz="1600" dirty="0" smtClean="0">
+                <a:solidFill>
+                  <a:schemeClr val="bg1"/>
+                </a:solidFill>
+              </a:rPr>
+              <a:t>  </a:t>
+            </a:r>
+            <a:r>
+              <a:rPr lang="en-US" sz="1600" dirty="0" err="1" smtClean="0">
+                <a:solidFill>
+                  <a:schemeClr val="bg1"/>
+                </a:solidFill>
+              </a:rPr>
+              <a:t>CoRR.</a:t>
+            </a:r>
+            <a:r>
+              <a:rPr lang="en-US" sz="1600" dirty="0" smtClean="0">
+                <a:solidFill>
+                  <a:schemeClr val="bg1"/>
+                </a:solidFill>
+              </a:rPr>
+              <a:t>  April, 2015.  </a:t>
+            </a:r>
+            <a:endParaRPr lang="en-US" sz="1600" dirty="0">
+              <a:solidFill>
+                <a:schemeClr val="bg1"/>
+              </a:solidFill>
+            </a:endParaRPr>
+          </a:p>
+        </p:txBody>
+      </p:sp>
+      <p:sp>
+        <p:nvSpPr>
+          <p:cNvPr id="7" name="TextBox 6"/>
+          <p:cNvSpPr txBox="1"/>
+          <p:nvPr/>
+        </p:nvSpPr>
+        <p:spPr>
+          <a:xfrm>
+            <a:off x="2209800" y="3505200"/>
+            <a:ext cx="6629400" cy="830997"/>
+          </a:xfrm>
+          <a:prstGeom prst="rect">
+            <a:avLst/>
+          </a:prstGeom>
+          <a:noFill/>
+        </p:spPr>
+        <p:txBody>
+          <a:bodyPr wrap="square" rtlCol="0">
+            <a:spAutoFit/>
+          </a:bodyPr>
+          <a:lstStyle/>
+          <a:p>
+            <a:r>
+              <a:rPr lang="en-US" sz="1600" dirty="0" smtClean="0">
+                <a:solidFill>
+                  <a:schemeClr val="bg1"/>
+                </a:solidFill>
+              </a:rPr>
+              <a:t>Hermann, Karl; </a:t>
+            </a:r>
+            <a:r>
+              <a:rPr lang="en-US" sz="1600" dirty="0" err="1" smtClean="0">
+                <a:solidFill>
+                  <a:schemeClr val="bg1"/>
+                </a:solidFill>
+              </a:rPr>
+              <a:t>Kocisky</a:t>
+            </a:r>
+            <a:r>
+              <a:rPr lang="en-US" sz="1600" dirty="0" smtClean="0">
+                <a:solidFill>
+                  <a:schemeClr val="bg1"/>
+                </a:solidFill>
+              </a:rPr>
+              <a:t>, Tomas; </a:t>
+            </a:r>
+            <a:r>
+              <a:rPr lang="en-US" sz="1600" dirty="0" err="1" smtClean="0">
+                <a:solidFill>
+                  <a:schemeClr val="bg1"/>
+                </a:solidFill>
+              </a:rPr>
+              <a:t>Grefenstette</a:t>
+            </a:r>
+            <a:r>
+              <a:rPr lang="en-US" sz="1600" dirty="0" smtClean="0">
+                <a:solidFill>
+                  <a:schemeClr val="bg1"/>
+                </a:solidFill>
+              </a:rPr>
+              <a:t>, Edward; </a:t>
+            </a:r>
+            <a:r>
+              <a:rPr lang="en-US" sz="1600" dirty="0" err="1" smtClean="0">
+                <a:solidFill>
+                  <a:schemeClr val="bg1"/>
+                </a:solidFill>
+              </a:rPr>
+              <a:t>Espeholt</a:t>
+            </a:r>
+            <a:r>
+              <a:rPr lang="en-US" sz="1600" dirty="0" smtClean="0">
+                <a:solidFill>
+                  <a:schemeClr val="bg1"/>
+                </a:solidFill>
+              </a:rPr>
+              <a:t>, Lasse; Kay, Will; </a:t>
+            </a:r>
+            <a:r>
+              <a:rPr lang="en-US" sz="1600" dirty="0" err="1" smtClean="0">
+                <a:solidFill>
+                  <a:schemeClr val="bg1"/>
+                </a:solidFill>
+              </a:rPr>
+              <a:t>Suleyman</a:t>
+            </a:r>
+            <a:r>
+              <a:rPr lang="en-US" sz="1600" dirty="0" smtClean="0">
+                <a:solidFill>
+                  <a:schemeClr val="bg1"/>
+                </a:solidFill>
+              </a:rPr>
+              <a:t>, Mustafa; </a:t>
+            </a:r>
+            <a:r>
+              <a:rPr lang="en-US" sz="1600" dirty="0" err="1" smtClean="0">
+                <a:solidFill>
+                  <a:schemeClr val="bg1"/>
+                </a:solidFill>
+              </a:rPr>
+              <a:t>Blunsom</a:t>
+            </a:r>
+            <a:r>
+              <a:rPr lang="en-US" sz="1600" dirty="0" smtClean="0">
+                <a:solidFill>
+                  <a:schemeClr val="bg1"/>
+                </a:solidFill>
+              </a:rPr>
+              <a:t>, Phil.  </a:t>
+            </a:r>
+            <a:r>
+              <a:rPr lang="en-US" sz="1600" b="1" dirty="0" smtClean="0">
+                <a:solidFill>
+                  <a:schemeClr val="bg1"/>
+                </a:solidFill>
+              </a:rPr>
+              <a:t>Teaching Machines to Read and Comprehend</a:t>
+            </a:r>
+            <a:r>
+              <a:rPr lang="en-US" sz="1600" dirty="0" smtClean="0">
+                <a:solidFill>
+                  <a:schemeClr val="bg1"/>
+                </a:solidFill>
+              </a:rPr>
+              <a:t>.  </a:t>
+            </a:r>
+            <a:r>
+              <a:rPr lang="en-US" sz="1600" dirty="0" err="1" smtClean="0">
+                <a:solidFill>
+                  <a:schemeClr val="bg1"/>
+                </a:solidFill>
+              </a:rPr>
+              <a:t>CoRR.</a:t>
+            </a:r>
+            <a:r>
+              <a:rPr lang="en-US" sz="1600" dirty="0" smtClean="0">
+                <a:solidFill>
+                  <a:schemeClr val="bg1"/>
+                </a:solidFill>
+              </a:rPr>
+              <a:t>  July, 2015.  </a:t>
+            </a:r>
+            <a:endParaRPr lang="en-US" sz="1600" dirty="0">
+              <a:solidFill>
+                <a:schemeClr val="bg1"/>
+              </a:solidFill>
+            </a:endParaRPr>
+          </a:p>
+        </p:txBody>
+      </p:sp>
+      <p:sp>
+        <p:nvSpPr>
+          <p:cNvPr id="11" name="Rounded Rectangle 10"/>
+          <p:cNvSpPr/>
+          <p:nvPr/>
+        </p:nvSpPr>
+        <p:spPr>
+          <a:xfrm>
+            <a:off x="152400" y="1066800"/>
+            <a:ext cx="1676400" cy="917136"/>
+          </a:xfrm>
+          <a:prstGeom prst="roundRect">
+            <a:avLst/>
+          </a:prstGeom>
+        </p:spPr>
+        <p:style>
+          <a:lnRef idx="2">
+            <a:schemeClr val="accent1">
+              <a:shade val="50000"/>
+            </a:schemeClr>
+          </a:lnRef>
+          <a:fillRef idx="1">
+            <a:schemeClr val="accent1"/>
+          </a:fillRef>
+          <a:effectRef idx="0">
+            <a:schemeClr val="accent1"/>
+          </a:effectRef>
+          <a:fontRef idx="minor">
+            <a:schemeClr val="lt1"/>
+          </a:fontRef>
+        </p:style>
+        <p:txBody>
+          <a:bodyPr rtlCol="0" anchor="ctr"/>
+          <a:lstStyle/>
+          <a:p>
+            <a:pPr algn="ctr"/>
+            <a:r>
+              <a:rPr lang="en-US" b="1" dirty="0" smtClean="0"/>
+              <a:t>Dynamic Memory Nets</a:t>
+            </a:r>
+            <a:endParaRPr lang="en-US" b="1" dirty="0"/>
+          </a:p>
+        </p:txBody>
+      </p:sp>
+      <p:sp>
+        <p:nvSpPr>
+          <p:cNvPr id="14" name="Rounded Rectangle 13"/>
+          <p:cNvSpPr/>
+          <p:nvPr/>
+        </p:nvSpPr>
+        <p:spPr>
+          <a:xfrm>
+            <a:off x="152400" y="2255651"/>
+            <a:ext cx="1676400" cy="917136"/>
+          </a:xfrm>
+          <a:prstGeom prst="roundRect">
+            <a:avLst/>
+          </a:prstGeom>
+        </p:spPr>
+        <p:style>
+          <a:lnRef idx="2">
+            <a:schemeClr val="accent1">
+              <a:shade val="50000"/>
+            </a:schemeClr>
+          </a:lnRef>
+          <a:fillRef idx="1">
+            <a:schemeClr val="accent1"/>
+          </a:fillRef>
+          <a:effectRef idx="0">
+            <a:schemeClr val="accent1"/>
+          </a:effectRef>
+          <a:fontRef idx="minor">
+            <a:schemeClr val="lt1"/>
+          </a:fontRef>
+        </p:style>
+        <p:txBody>
+          <a:bodyPr rtlCol="0" anchor="ctr"/>
+          <a:lstStyle/>
+          <a:p>
+            <a:pPr algn="ctr"/>
+            <a:r>
+              <a:rPr lang="en-US" b="1" dirty="0" smtClean="0"/>
+              <a:t>Memory Networks</a:t>
+            </a:r>
+            <a:endParaRPr lang="en-US" b="1" dirty="0"/>
+          </a:p>
+        </p:txBody>
+      </p:sp>
+      <p:sp>
+        <p:nvSpPr>
+          <p:cNvPr id="16" name="Rounded Rectangle 15"/>
+          <p:cNvSpPr/>
+          <p:nvPr/>
+        </p:nvSpPr>
+        <p:spPr>
+          <a:xfrm>
+            <a:off x="152400" y="3462130"/>
+            <a:ext cx="1676400" cy="917136"/>
+          </a:xfrm>
+          <a:prstGeom prst="roundRect">
+            <a:avLst/>
+          </a:prstGeom>
+        </p:spPr>
+        <p:style>
+          <a:lnRef idx="2">
+            <a:schemeClr val="accent1">
+              <a:shade val="50000"/>
+            </a:schemeClr>
+          </a:lnRef>
+          <a:fillRef idx="1">
+            <a:schemeClr val="accent1"/>
+          </a:fillRef>
+          <a:effectRef idx="0">
+            <a:schemeClr val="accent1"/>
+          </a:effectRef>
+          <a:fontRef idx="minor">
+            <a:schemeClr val="lt1"/>
+          </a:fontRef>
+        </p:style>
+        <p:txBody>
+          <a:bodyPr rtlCol="0" anchor="ctr"/>
+          <a:lstStyle/>
+          <a:p>
+            <a:pPr algn="ctr"/>
+            <a:r>
+              <a:rPr lang="en-US" b="1" dirty="0" smtClean="0"/>
+              <a:t>Google CNN / </a:t>
+            </a:r>
+            <a:r>
+              <a:rPr lang="en-US" b="1" dirty="0" err="1" smtClean="0"/>
+              <a:t>DailyMail</a:t>
+            </a:r>
+            <a:r>
+              <a:rPr lang="en-US" b="1" dirty="0" smtClean="0"/>
+              <a:t> Dataset</a:t>
+            </a:r>
+            <a:endParaRPr lang="en-US" b="1" dirty="0"/>
+          </a:p>
+        </p:txBody>
+      </p:sp>
+      <p:sp>
+        <p:nvSpPr>
+          <p:cNvPr id="17" name="TextBox 16"/>
+          <p:cNvSpPr txBox="1"/>
+          <p:nvPr/>
+        </p:nvSpPr>
+        <p:spPr>
+          <a:xfrm>
+            <a:off x="2133600" y="4724400"/>
+            <a:ext cx="6629400" cy="584775"/>
+          </a:xfrm>
+          <a:prstGeom prst="rect">
+            <a:avLst/>
+          </a:prstGeom>
+          <a:noFill/>
+        </p:spPr>
+        <p:txBody>
+          <a:bodyPr wrap="square" rtlCol="0">
+            <a:spAutoFit/>
+          </a:bodyPr>
+          <a:lstStyle/>
+          <a:p>
+            <a:r>
+              <a:rPr lang="en-US" sz="1600" dirty="0" err="1" smtClean="0">
+                <a:solidFill>
+                  <a:schemeClr val="bg1"/>
+                </a:solidFill>
+              </a:rPr>
+              <a:t>Narasimhan</a:t>
+            </a:r>
+            <a:r>
+              <a:rPr lang="en-US" sz="1600" dirty="0" smtClean="0">
+                <a:solidFill>
+                  <a:schemeClr val="bg1"/>
+                </a:solidFill>
+              </a:rPr>
+              <a:t>, </a:t>
+            </a:r>
+            <a:r>
+              <a:rPr lang="en-US" sz="1600" dirty="0" err="1" smtClean="0">
+                <a:solidFill>
+                  <a:schemeClr val="bg1"/>
+                </a:solidFill>
+              </a:rPr>
+              <a:t>Karthik</a:t>
+            </a:r>
+            <a:r>
+              <a:rPr lang="en-US" sz="1600" dirty="0" smtClean="0">
+                <a:solidFill>
+                  <a:schemeClr val="bg1"/>
+                </a:solidFill>
+              </a:rPr>
+              <a:t>; </a:t>
+            </a:r>
+            <a:r>
+              <a:rPr lang="en-US" sz="1600" dirty="0" err="1" smtClean="0">
+                <a:solidFill>
+                  <a:schemeClr val="bg1"/>
+                </a:solidFill>
+              </a:rPr>
+              <a:t>Barzilay</a:t>
+            </a:r>
+            <a:r>
+              <a:rPr lang="en-US" sz="1600" dirty="0" smtClean="0">
+                <a:solidFill>
+                  <a:schemeClr val="bg1"/>
+                </a:solidFill>
+              </a:rPr>
+              <a:t>, Regina.  </a:t>
+            </a:r>
+            <a:r>
+              <a:rPr lang="en-US" sz="1600" b="1" dirty="0" smtClean="0">
+                <a:solidFill>
+                  <a:schemeClr val="bg1"/>
+                </a:solidFill>
+              </a:rPr>
+              <a:t>Machine Comprehension with Discourse Relations</a:t>
+            </a:r>
+            <a:r>
+              <a:rPr lang="en-US" sz="1600" dirty="0" smtClean="0">
+                <a:solidFill>
+                  <a:schemeClr val="bg1"/>
+                </a:solidFill>
+              </a:rPr>
+              <a:t>.  ACL, 2015</a:t>
+            </a:r>
+            <a:endParaRPr lang="en-US" sz="1600" dirty="0">
+              <a:solidFill>
+                <a:schemeClr val="bg1"/>
+              </a:solidFill>
+            </a:endParaRPr>
+          </a:p>
+        </p:txBody>
+      </p:sp>
+      <p:sp>
+        <p:nvSpPr>
+          <p:cNvPr id="20" name="Rounded Rectangle 19"/>
+          <p:cNvSpPr/>
+          <p:nvPr/>
+        </p:nvSpPr>
+        <p:spPr>
+          <a:xfrm>
+            <a:off x="152400" y="4661452"/>
+            <a:ext cx="1676400" cy="917136"/>
+          </a:xfrm>
+          <a:prstGeom prst="roundRect">
+            <a:avLst/>
+          </a:prstGeom>
+        </p:spPr>
+        <p:style>
+          <a:lnRef idx="2">
+            <a:schemeClr val="accent1">
+              <a:shade val="50000"/>
+            </a:schemeClr>
+          </a:lnRef>
+          <a:fillRef idx="1">
+            <a:schemeClr val="accent1"/>
+          </a:fillRef>
+          <a:effectRef idx="0">
+            <a:schemeClr val="accent1"/>
+          </a:effectRef>
+          <a:fontRef idx="minor">
+            <a:schemeClr val="lt1"/>
+          </a:fontRef>
+        </p:style>
+        <p:txBody>
+          <a:bodyPr rtlCol="0" anchor="ctr"/>
+          <a:lstStyle/>
+          <a:p>
+            <a:pPr algn="ctr"/>
+            <a:r>
+              <a:rPr lang="en-US" b="1" dirty="0" smtClean="0"/>
+              <a:t>Non-Neural Models</a:t>
+            </a:r>
+            <a:endParaRPr lang="en-US" b="1" dirty="0"/>
+          </a:p>
+        </p:txBody>
+      </p:sp>
+      <p:sp>
+        <p:nvSpPr>
+          <p:cNvPr id="22" name="Rounded Rectangle 21"/>
+          <p:cNvSpPr/>
+          <p:nvPr/>
+        </p:nvSpPr>
+        <p:spPr>
+          <a:xfrm>
+            <a:off x="2054087" y="5791200"/>
+            <a:ext cx="6781800" cy="917136"/>
+          </a:xfrm>
+          <a:prstGeom prst="roundRect">
+            <a:avLst/>
+          </a:prstGeom>
+        </p:spPr>
+        <p:style>
+          <a:lnRef idx="2">
+            <a:schemeClr val="accent1">
+              <a:shade val="50000"/>
+            </a:schemeClr>
+          </a:lnRef>
+          <a:fillRef idx="1">
+            <a:schemeClr val="accent1"/>
+          </a:fillRef>
+          <a:effectRef idx="0">
+            <a:schemeClr val="accent1"/>
+          </a:effectRef>
+          <a:fontRef idx="minor">
+            <a:schemeClr val="lt1"/>
+          </a:fontRef>
+        </p:style>
+        <p:txBody>
+          <a:bodyPr rtlCol="0" anchor="ctr"/>
+          <a:lstStyle/>
+          <a:p>
+            <a:pPr algn="ctr"/>
+            <a:endParaRPr lang="en-US"/>
+          </a:p>
+        </p:txBody>
+      </p:sp>
+      <p:sp>
+        <p:nvSpPr>
+          <p:cNvPr id="23" name="TextBox 22"/>
+          <p:cNvSpPr txBox="1"/>
+          <p:nvPr/>
+        </p:nvSpPr>
+        <p:spPr>
+          <a:xfrm>
+            <a:off x="2130287" y="5854148"/>
+            <a:ext cx="6629400" cy="830997"/>
+          </a:xfrm>
+          <a:prstGeom prst="rect">
+            <a:avLst/>
+          </a:prstGeom>
+          <a:noFill/>
+        </p:spPr>
+        <p:txBody>
+          <a:bodyPr wrap="square" rtlCol="0">
+            <a:spAutoFit/>
+          </a:bodyPr>
+          <a:lstStyle/>
+          <a:p>
+            <a:r>
+              <a:rPr lang="en-US" sz="1600" dirty="0" smtClean="0">
+                <a:solidFill>
+                  <a:schemeClr val="bg1"/>
+                </a:solidFill>
+              </a:rPr>
+              <a:t>Weston, Jason; </a:t>
+            </a:r>
+            <a:r>
+              <a:rPr lang="en-US" sz="1600" dirty="0" err="1" smtClean="0">
+                <a:solidFill>
+                  <a:schemeClr val="bg1"/>
+                </a:solidFill>
+              </a:rPr>
+              <a:t>Bordes</a:t>
+            </a:r>
+            <a:r>
+              <a:rPr lang="en-US" sz="1600" dirty="0" smtClean="0">
+                <a:solidFill>
+                  <a:schemeClr val="bg1"/>
+                </a:solidFill>
+              </a:rPr>
+              <a:t>, Antoine; Chopra, </a:t>
+            </a:r>
+            <a:r>
+              <a:rPr lang="en-US" sz="1600" dirty="0" err="1" smtClean="0">
+                <a:solidFill>
+                  <a:schemeClr val="bg1"/>
+                </a:solidFill>
+              </a:rPr>
+              <a:t>Sumit</a:t>
+            </a:r>
+            <a:r>
+              <a:rPr lang="en-US" sz="1600" dirty="0" smtClean="0">
+                <a:solidFill>
+                  <a:schemeClr val="bg1"/>
+                </a:solidFill>
+              </a:rPr>
+              <a:t>; </a:t>
+            </a:r>
+            <a:r>
+              <a:rPr lang="en-US" sz="1600" dirty="0" err="1" smtClean="0">
+                <a:solidFill>
+                  <a:schemeClr val="bg1"/>
+                </a:solidFill>
+              </a:rPr>
+              <a:t>Mikolov</a:t>
+            </a:r>
+            <a:r>
+              <a:rPr lang="en-US" sz="1600" dirty="0" smtClean="0">
+                <a:solidFill>
+                  <a:schemeClr val="bg1"/>
+                </a:solidFill>
+              </a:rPr>
+              <a:t>, Tomas; Rush, Alexander; </a:t>
+            </a:r>
+            <a:r>
+              <a:rPr lang="en-US" sz="1600" dirty="0" err="1" smtClean="0">
+                <a:solidFill>
+                  <a:schemeClr val="bg1"/>
+                </a:solidFill>
+              </a:rPr>
+              <a:t>Marrienboer</a:t>
+            </a:r>
+            <a:r>
+              <a:rPr lang="en-US" sz="1600" dirty="0" smtClean="0">
+                <a:solidFill>
+                  <a:schemeClr val="bg1"/>
+                </a:solidFill>
+              </a:rPr>
+              <a:t>; Bart.  </a:t>
+            </a:r>
+            <a:r>
+              <a:rPr lang="en-US" sz="1600" b="1" dirty="0" smtClean="0">
+                <a:solidFill>
+                  <a:schemeClr val="bg1"/>
+                </a:solidFill>
+              </a:rPr>
+              <a:t>Towards AI-Complete Question Answering: A Set of Prerequisite Toy Tasks.  </a:t>
+            </a:r>
+            <a:r>
+              <a:rPr lang="en-US" sz="1600" dirty="0" err="1" smtClean="0">
+                <a:solidFill>
+                  <a:schemeClr val="bg1"/>
+                </a:solidFill>
+              </a:rPr>
+              <a:t>CoRR</a:t>
+            </a:r>
+            <a:r>
+              <a:rPr lang="en-US" sz="1600" dirty="0" smtClean="0">
+                <a:solidFill>
+                  <a:schemeClr val="bg1"/>
+                </a:solidFill>
+              </a:rPr>
+              <a:t>, 2015.</a:t>
+            </a:r>
+            <a:endParaRPr lang="en-US" sz="1600" dirty="0">
+              <a:solidFill>
+                <a:schemeClr val="bg1"/>
+              </a:solidFill>
+            </a:endParaRPr>
+          </a:p>
+        </p:txBody>
+      </p:sp>
+      <p:sp>
+        <p:nvSpPr>
+          <p:cNvPr id="24" name="Rounded Rectangle 23"/>
+          <p:cNvSpPr/>
+          <p:nvPr/>
+        </p:nvSpPr>
+        <p:spPr>
+          <a:xfrm>
+            <a:off x="149087" y="5791200"/>
+            <a:ext cx="1676400" cy="917136"/>
+          </a:xfrm>
+          <a:prstGeom prst="roundRect">
+            <a:avLst/>
+          </a:prstGeom>
+        </p:spPr>
+        <p:style>
+          <a:lnRef idx="2">
+            <a:schemeClr val="accent1">
+              <a:shade val="50000"/>
+            </a:schemeClr>
+          </a:lnRef>
+          <a:fillRef idx="1">
+            <a:schemeClr val="accent1"/>
+          </a:fillRef>
+          <a:effectRef idx="0">
+            <a:schemeClr val="accent1"/>
+          </a:effectRef>
+          <a:fontRef idx="minor">
+            <a:schemeClr val="lt1"/>
+          </a:fontRef>
+        </p:style>
+        <p:txBody>
+          <a:bodyPr rtlCol="0" anchor="ctr"/>
+          <a:lstStyle/>
+          <a:p>
+            <a:pPr algn="ctr"/>
+            <a:r>
+              <a:rPr lang="en-US" b="1" dirty="0" smtClean="0"/>
+              <a:t>Babi Tasks</a:t>
+            </a:r>
+            <a:endParaRPr lang="en-US" b="1" dirty="0"/>
+          </a:p>
+        </p:txBody>
+      </p:sp>
+    </p:spTree>
+    <p:extLst>
+      <p:ext uri="{BB962C8B-B14F-4D97-AF65-F5344CB8AC3E}">
+        <p14:creationId xmlns:p14="http://schemas.microsoft.com/office/powerpoint/2010/main" val="703097525"/>
       </p:ext>
     </p:extLst>
   </p:cSld>
@@ -4207,7 +5553,7 @@
           <a:p>
             <a:r>
               <a:rPr lang="en-US" dirty="0" smtClean="0"/>
-              <a:t>Task</a:t>
+              <a:t>The Task: Thinking before Speaking</a:t>
             </a:r>
             <a:endParaRPr lang="en-US" dirty="0"/>
           </a:p>
@@ -4223,16 +5569,16 @@
         </p:nvSpPr>
         <p:spPr>
           <a:xfrm>
-            <a:off x="457200" y="1676400"/>
-            <a:ext cx="8229600" cy="1143000"/>
+            <a:off x="381000" y="1743525"/>
+            <a:ext cx="3886200" cy="3886200"/>
           </a:xfrm>
           <a:prstGeom prst="rect">
             <a:avLst/>
           </a:prstGeom>
         </p:spPr>
         <p:txBody>
-          <a:bodyPr vert="horz" lIns="91440" tIns="45720" rIns="91440" bIns="45720" rtlCol="0" anchor="ctr">
-            <a:normAutofit/>
+          <a:bodyPr vert="horz" lIns="91440" tIns="45720" rIns="91440" bIns="45720" rtlCol="0" anchor="t">
+            <a:normAutofit lnSpcReduction="10000"/>
           </a:bodyPr>
           <a:lstStyle>
             <a:lvl1pPr algn="ctr" defTabSz="914400" rtl="0" eaLnBrk="1" latinLnBrk="0" hangingPunct="1">
@@ -4251,9 +5597,179 @@
             </a:lvl1pPr>
           </a:lstStyle>
           <a:p>
+            <a:pPr algn="l"/>
+            <a:r>
+              <a:rPr lang="en-US" sz="2500" dirty="0" smtClean="0"/>
+              <a:t>Focus on QA tasks that require attention and  possibly inference. </a:t>
+            </a:r>
+          </a:p>
+          <a:p>
+            <a:pPr algn="l"/>
+            <a:endParaRPr lang="en-US" sz="2500" dirty="0"/>
+          </a:p>
+          <a:p>
+            <a:pPr algn="l"/>
+            <a:r>
+              <a:rPr lang="en-US" sz="2500" dirty="0" smtClean="0"/>
+              <a:t>Evaluate whether attention-based neural network models are advantageous over simpler neural models. </a:t>
+            </a:r>
+          </a:p>
+          <a:p>
+            <a:pPr algn="l"/>
+            <a:endParaRPr lang="en-US" sz="2500" dirty="0"/>
+          </a:p>
+          <a:p>
+            <a:pPr algn="l"/>
+            <a:r>
+              <a:rPr lang="en-US" sz="2500" dirty="0" smtClean="0"/>
+              <a:t>Evaluate effect of dataset size.  </a:t>
+            </a:r>
+            <a:endParaRPr lang="en-US" sz="2500" dirty="0"/>
+          </a:p>
+        </p:txBody>
+      </p:sp>
+      <p:sp>
+        <p:nvSpPr>
+          <p:cNvPr id="4" name="Title 1"/>
+          <p:cNvSpPr txBox="1">
+            <a:spLocks/>
+          </p:cNvSpPr>
+          <p:nvPr/>
+        </p:nvSpPr>
+        <p:spPr>
+          <a:xfrm>
+            <a:off x="4654826" y="1692965"/>
+            <a:ext cx="4191000" cy="3886200"/>
+          </a:xfrm>
+          <a:prstGeom prst="rect">
+            <a:avLst/>
+          </a:prstGeom>
+          <a:ln w="19050">
+            <a:solidFill>
+              <a:schemeClr val="tx1"/>
+            </a:solidFill>
+          </a:ln>
+        </p:spPr>
+        <p:txBody>
+          <a:bodyPr vert="horz" lIns="91440" tIns="45720" rIns="91440" bIns="45720" rtlCol="0" anchor="ctr">
+            <a:normAutofit fontScale="92500" lnSpcReduction="10000"/>
+          </a:bodyPr>
+          <a:lstStyle>
+            <a:lvl1pPr algn="ctr" defTabSz="914400" rtl="0" eaLnBrk="1" latinLnBrk="0" hangingPunct="1">
+              <a:spcBef>
+                <a:spcPct val="0"/>
+              </a:spcBef>
+              <a:buNone/>
+              <a:defRPr sz="4400" kern="1200">
+                <a:solidFill>
+                  <a:schemeClr val="tx1"/>
+                </a:solidFill>
+                <a:latin typeface="+mj-lt"/>
+                <a:ea typeface="+mj-ea"/>
+                <a:cs typeface="+mj-cs"/>
+              </a:defRPr>
+            </a:lvl1pPr>
+          </a:lstStyle>
+          <a:p>
+            <a:pPr algn="just"/>
+            <a:r>
+              <a:rPr lang="en-US" sz="2000" dirty="0" smtClean="0"/>
+              <a:t>Sally liked going outside.  She put on her shoes.  She went outside to walk. […] Missy the cat meowed to Sally.  Sally waved to Missy the cat.  […]  Sally hears her name.  “Sally, Sally, come home,” Sally’s mom calls out.  Sally runs home to her Mom.  Sally liked going outside. </a:t>
+            </a:r>
+          </a:p>
+          <a:p>
+            <a:pPr algn="just"/>
+            <a:endParaRPr lang="en-US" sz="2000" dirty="0"/>
+          </a:p>
+          <a:p>
+            <a:pPr algn="just"/>
+            <a:r>
+              <a:rPr lang="en-US" sz="2000" i="1" dirty="0" smtClean="0"/>
+              <a:t>Why did Sally put on her shoes? </a:t>
+            </a:r>
+          </a:p>
+          <a:p>
+            <a:pPr marL="457200" indent="-457200" algn="just">
+              <a:buAutoNum type="alphaUcPeriod"/>
+            </a:pPr>
+            <a:r>
+              <a:rPr lang="en-US" sz="2000" dirty="0" smtClean="0"/>
+              <a:t>To wave to Missy the cat</a:t>
+            </a:r>
+          </a:p>
+          <a:p>
+            <a:pPr marL="457200" indent="-457200" algn="just">
+              <a:buAutoNum type="alphaUcPeriod"/>
+            </a:pPr>
+            <a:r>
+              <a:rPr lang="en-US" sz="2000" dirty="0" smtClean="0"/>
+              <a:t>To hear her name</a:t>
+            </a:r>
+          </a:p>
+          <a:p>
+            <a:pPr marL="457200" indent="-457200" algn="just">
+              <a:buAutoNum type="alphaUcPeriod"/>
+            </a:pPr>
+            <a:r>
+              <a:rPr lang="en-US" sz="2000" b="1" dirty="0" smtClean="0"/>
+              <a:t>Because she wanted to go outside</a:t>
+            </a:r>
+          </a:p>
+          <a:p>
+            <a:pPr marL="457200" indent="-457200" algn="just">
+              <a:buAutoNum type="alphaUcPeriod"/>
+            </a:pPr>
+            <a:r>
+              <a:rPr lang="en-US" sz="2000" dirty="0" smtClean="0"/>
+              <a:t>To come home</a:t>
+            </a:r>
+          </a:p>
+          <a:p>
+            <a:r>
+              <a:rPr lang="en-US" sz="2000" dirty="0" smtClean="0"/>
+              <a:t>   </a:t>
+            </a:r>
+            <a:endParaRPr lang="en-US" sz="2000" dirty="0"/>
+          </a:p>
+        </p:txBody>
+      </p:sp>
+      <p:sp>
+        <p:nvSpPr>
+          <p:cNvPr id="5" name="TextBox 4"/>
+          <p:cNvSpPr txBox="1"/>
+          <p:nvPr/>
+        </p:nvSpPr>
+        <p:spPr>
+          <a:xfrm>
+            <a:off x="4648200" y="5613160"/>
+            <a:ext cx="4197626" cy="646331"/>
+          </a:xfrm>
+          <a:prstGeom prst="rect">
+            <a:avLst/>
+          </a:prstGeom>
+          <a:noFill/>
+        </p:spPr>
+        <p:txBody>
+          <a:bodyPr wrap="square" rtlCol="0">
+            <a:spAutoFit/>
+          </a:bodyPr>
+          <a:lstStyle/>
+          <a:p>
+            <a:r>
+              <a:rPr lang="en-US" dirty="0" err="1" smtClean="0"/>
+              <a:t>MCTest</a:t>
+            </a:r>
             <a:r>
               <a:rPr lang="en-US" dirty="0" smtClean="0"/>
-              <a:t>Evaluate </a:t>
+              <a:t> Example inference from [</a:t>
+            </a:r>
+            <a:r>
+              <a:rPr lang="en-US" dirty="0" err="1" smtClean="0"/>
+              <a:t>Narasimhan</a:t>
+            </a:r>
+            <a:r>
+              <a:rPr lang="en-US" dirty="0" smtClean="0"/>
+              <a:t>, 2015]</a:t>
             </a:r>
             <a:endParaRPr lang="en-US" dirty="0"/>
           </a:p>
@@ -4311,7 +5827,11 @@
           <a:p>
             <a:r>
               <a:rPr lang="en-US" b="1" dirty="0" smtClean="0"/>
-              <a:t>GRU Baseline</a:t>
+              <a:t>GRU </a:t>
+            </a:r>
+            <a:r>
+              <a:rPr lang="en-US" b="1" dirty="0" smtClean="0"/>
+              <a:t>Encoder Baseline</a:t>
             </a:r>
             <a:endParaRPr lang="en-US" b="1" dirty="0"/>
           </a:p>
@@ -5428,7 +6948,7 @@
         </p:nvSpPr>
         <p:spPr>
           <a:xfrm>
-            <a:off x="233941" y="5638800"/>
+            <a:off x="233941" y="5334000"/>
             <a:ext cx="8610600" cy="707886"/>
           </a:xfrm>
           <a:prstGeom prst="rect">
@@ -5461,6 +6981,154 @@
               <a:t>:  Difficulty handling information over very long sequences.  </a:t>
             </a:r>
             <a:endParaRPr lang="en-US" sz="2000" dirty="0"/>
+          </a:p>
+        </p:txBody>
+      </p:sp>
+      <p:pic>
+        <p:nvPicPr>
+          <p:cNvPr id="1026" name="Picture 2"/>
+          <p:cNvPicPr>
+            <a:picLocks noChangeAspect="1" noChangeArrowheads="1"/>
+          </p:cNvPicPr>
+          <p:nvPr/>
+        </p:nvPicPr>
+        <p:blipFill rotWithShape="1">
+          <a:blip r:embed="rId2" cstate="print">
+            <a:extLst>
+              <a:ext uri="{28A0092B-C50C-407E-A947-70E740481C1C}">
+                <a14:useLocalDpi xmlns:a14="http://schemas.microsoft.com/office/drawing/2010/main" val="0"/>
+              </a:ext>
+            </a:extLst>
+          </a:blip>
+          <a:srcRect l="56963" t="34922" r="7126" b="32605"/>
+          <a:stretch/>
+        </p:blipFill>
+        <p:spPr bwMode="auto">
+          <a:xfrm>
+            <a:off x="214434" y="1043848"/>
+            <a:ext cx="2093472" cy="1329475"/>
+          </a:xfrm>
+          <a:prstGeom prst="rect">
+            <a:avLst/>
+          </a:prstGeom>
+          <a:noFill/>
+          <a:ln>
+            <a:noFill/>
+          </a:ln>
+          <a:extLst>
+            <a:ext uri="{909E8E84-426E-40DD-AFC4-6F175D3DCCD1}">
+              <a14:hiddenFill xmlns:a14="http://schemas.microsoft.com/office/drawing/2010/main">
+                <a:solidFill>
+                  <a:schemeClr val="accent1"/>
+                </a:solidFill>
+              </a14:hiddenFill>
+            </a:ext>
+            <a:ext uri="{91240B29-F687-4F45-9708-019B960494DF}">
+              <a14:hiddenLine xmlns:a14="http://schemas.microsoft.com/office/drawing/2010/main" w="9525">
+                <a:solidFill>
+                  <a:schemeClr val="tx1"/>
+                </a:solidFill>
+                <a:miter lim="800000"/>
+                <a:headEnd/>
+                <a:tailEnd/>
+              </a14:hiddenLine>
+            </a:ext>
+          </a:extLst>
+        </p:spPr>
+      </p:pic>
+      <p:cxnSp>
+        <p:nvCxnSpPr>
+          <p:cNvPr id="25" name="Straight Arrow Connector 24"/>
+          <p:cNvCxnSpPr>
+            <a:endCxn id="5" idx="0"/>
+          </p:cNvCxnSpPr>
+          <p:nvPr/>
+        </p:nvCxnSpPr>
+        <p:spPr>
+          <a:xfrm>
+            <a:off x="1752600" y="2381250"/>
+            <a:ext cx="272041" cy="350556"/>
+          </a:xfrm>
+          <a:prstGeom prst="straightConnector1">
+            <a:avLst/>
+          </a:prstGeom>
+          <a:ln w="38100">
+            <a:solidFill>
+              <a:schemeClr val="tx1"/>
+            </a:solidFill>
+            <a:tailEnd type="arrow"/>
+          </a:ln>
+        </p:spPr>
+        <p:style>
+          <a:lnRef idx="1">
+            <a:schemeClr val="accent1"/>
+          </a:lnRef>
+          <a:fillRef idx="0">
+            <a:schemeClr val="accent1"/>
+          </a:fillRef>
+          <a:effectRef idx="0">
+            <a:schemeClr val="accent1"/>
+          </a:effectRef>
+          <a:fontRef idx="minor">
+            <a:schemeClr val="tx1"/>
+          </a:fontRef>
+        </p:style>
+      </p:cxnSp>
+      <p:sp>
+        <p:nvSpPr>
+          <p:cNvPr id="6" name="TextBox 5"/>
+          <p:cNvSpPr txBox="1"/>
+          <p:nvPr/>
+        </p:nvSpPr>
+        <p:spPr>
+          <a:xfrm>
+            <a:off x="269370" y="6172199"/>
+            <a:ext cx="8539741" cy="569387"/>
+          </a:xfrm>
+          <a:prstGeom prst="rect">
+            <a:avLst/>
+          </a:prstGeom>
+          <a:noFill/>
+        </p:spPr>
+        <p:txBody>
+          <a:bodyPr wrap="square" rtlCol="0">
+            <a:spAutoFit/>
+          </a:bodyPr>
+          <a:lstStyle/>
+          <a:p>
+            <a:r>
+              <a:rPr lang="en-US" sz="1500" dirty="0" smtClean="0"/>
+              <a:t>Image Source:  Chung, </a:t>
+            </a:r>
+            <a:r>
+              <a:rPr lang="en-US" sz="1500" dirty="0" err="1" smtClean="0"/>
+              <a:t>Junyoung</a:t>
+            </a:r>
+            <a:r>
+              <a:rPr lang="en-US" sz="1500" dirty="0" smtClean="0"/>
+              <a:t>, et. </a:t>
+            </a:r>
+            <a:r>
+              <a:rPr lang="en-US" sz="1500" dirty="0"/>
+              <a:t>a</a:t>
+            </a:r>
+            <a:r>
+              <a:rPr lang="en-US" sz="1500" dirty="0" smtClean="0"/>
+              <a:t>l.   Empirical Evaluation of Gated Recurrent Neural Networks on Sequence Modeling. </a:t>
+            </a:r>
+            <a:r>
+              <a:rPr lang="en-US" sz="1600" dirty="0"/>
+              <a:t>NIPS 2014 Deep Learning and Representation Learning </a:t>
+            </a:r>
+            <a:r>
+              <a:rPr lang="en-US" sz="1600" dirty="0" smtClean="0"/>
+              <a:t>Workshop, 2014. </a:t>
+            </a:r>
+            <a:r>
+              <a:rPr lang="en-US" sz="1500" dirty="0" smtClean="0"/>
+              <a:t> </a:t>
+            </a:r>
+            <a:endParaRPr lang="en-US" sz="1500" dirty="0"/>
           </a:p>
         </p:txBody>
       </p:sp>
@@ -5736,7 +7404,7 @@
             <a:pPr algn="ctr"/>
             <a:r>
               <a:rPr lang="en-US" dirty="0" smtClean="0"/>
-              <a:t>Article of Text</a:t>
+              <a:t>Words from text</a:t>
             </a:r>
             <a:endParaRPr lang="en-US" dirty="0"/>
           </a:p>
@@ -5885,8 +7553,8 @@
           <a:p>
             <a:pPr algn="ctr"/>
             <a:r>
-              <a:rPr lang="en-US" b="1" dirty="0" smtClean="0"/>
-              <a:t>A</a:t>
+              <a:rPr lang="en-US" b="1" dirty="0"/>
+              <a:t>C</a:t>
             </a:r>
             <a:endParaRPr lang="en-US" b="1" dirty="0"/>
           </a:p>
@@ -5928,7 +7596,7 @@
             <a:pPr algn="ctr"/>
             <a:r>
               <a:rPr lang="en-US" b="1" dirty="0" smtClean="0"/>
-              <a:t>C</a:t>
+              <a:t>A</a:t>
             </a:r>
             <a:endParaRPr lang="en-US" b="1" dirty="0"/>
           </a:p>
@@ -6079,6 +7747,10 @@
           <a:p>
             <a:pPr algn="ctr"/>
             <a:r>
+              <a:rPr lang="en-US" b="1" dirty="0" smtClean="0"/>
+              <a:t>Sum / </a:t>
+            </a:r>
+            <a:r>
               <a:rPr lang="en-US" b="1" dirty="0" err="1" smtClean="0"/>
               <a:t>Softmax</a:t>
             </a:r>
@@ -6280,6 +7952,160 @@
           </a:prstGeom>
           <a:ln w="38100">
             <a:tailEnd type="arrow"/>
+          </a:ln>
+        </p:spPr>
+        <p:style>
+          <a:lnRef idx="1">
+            <a:schemeClr val="accent1"/>
+          </a:lnRef>
+          <a:fillRef idx="0">
+            <a:schemeClr val="accent1"/>
+          </a:fillRef>
+          <a:effectRef idx="0">
+            <a:schemeClr val="accent1"/>
+          </a:effectRef>
+          <a:fontRef idx="minor">
+            <a:schemeClr val="tx1"/>
+          </a:fontRef>
+        </p:style>
+      </p:cxnSp>
+      <p:sp>
+        <p:nvSpPr>
+          <p:cNvPr id="24" name="Rectangle 23"/>
+          <p:cNvSpPr/>
+          <p:nvPr/>
+        </p:nvSpPr>
+        <p:spPr>
+          <a:xfrm>
+            <a:off x="5064451" y="1595571"/>
+            <a:ext cx="533400" cy="533400"/>
+          </a:xfrm>
+          <a:prstGeom prst="rect">
+            <a:avLst/>
+          </a:prstGeom>
+        </p:spPr>
+        <p:style>
+          <a:lnRef idx="1">
+            <a:schemeClr val="dk1"/>
+          </a:lnRef>
+          <a:fillRef idx="2">
+            <a:schemeClr val="dk1"/>
+          </a:fillRef>
+          <a:effectRef idx="1">
+            <a:schemeClr val="dk1"/>
+          </a:effectRef>
+          <a:fontRef idx="minor">
+            <a:schemeClr val="dk1"/>
+          </a:fontRef>
+        </p:style>
+        <p:txBody>
+          <a:bodyPr rtlCol="0" anchor="ctr"/>
+          <a:lstStyle/>
+          <a:p>
+            <a:pPr algn="ctr"/>
+            <a:r>
+              <a:rPr lang="en-US" b="1" dirty="0" smtClean="0"/>
+              <a:t>O</a:t>
+            </a:r>
+            <a:endParaRPr lang="en-US" b="1" dirty="0"/>
+          </a:p>
+        </p:txBody>
+      </p:sp>
+      <p:sp>
+        <p:nvSpPr>
+          <p:cNvPr id="25" name="Rectangle 24"/>
+          <p:cNvSpPr/>
+          <p:nvPr/>
+        </p:nvSpPr>
+        <p:spPr>
+          <a:xfrm>
+            <a:off x="7539295" y="2987050"/>
+            <a:ext cx="533400" cy="533400"/>
+          </a:xfrm>
+          <a:prstGeom prst="rect">
+            <a:avLst/>
+          </a:prstGeom>
+        </p:spPr>
+        <p:style>
+          <a:lnRef idx="1">
+            <a:schemeClr val="dk1"/>
+          </a:lnRef>
+          <a:fillRef idx="2">
+            <a:schemeClr val="dk1"/>
+          </a:fillRef>
+          <a:effectRef idx="1">
+            <a:schemeClr val="dk1"/>
+          </a:effectRef>
+          <a:fontRef idx="minor">
+            <a:schemeClr val="dk1"/>
+          </a:fontRef>
+        </p:style>
+        <p:txBody>
+          <a:bodyPr rtlCol="0" anchor="ctr"/>
+          <a:lstStyle/>
+          <a:p>
+            <a:pPr algn="ctr"/>
+            <a:r>
+              <a:rPr lang="en-US" b="1" dirty="0" smtClean="0"/>
+              <a:t>U</a:t>
+            </a:r>
+            <a:endParaRPr lang="en-US" b="1" dirty="0"/>
+          </a:p>
+        </p:txBody>
+      </p:sp>
+      <p:sp>
+        <p:nvSpPr>
+          <p:cNvPr id="3" name="TextBox 2"/>
+          <p:cNvSpPr txBox="1"/>
+          <p:nvPr/>
+        </p:nvSpPr>
+        <p:spPr>
+          <a:xfrm>
+            <a:off x="256157" y="1129441"/>
+            <a:ext cx="2895600" cy="923330"/>
+          </a:xfrm>
+          <a:prstGeom prst="rect">
+            <a:avLst/>
+          </a:prstGeom>
+          <a:noFill/>
+          <a:ln w="19050">
+            <a:solidFill>
+              <a:schemeClr val="tx1"/>
+            </a:solidFill>
+          </a:ln>
+        </p:spPr>
+        <p:txBody>
+          <a:bodyPr wrap="square" rtlCol="0">
+            <a:spAutoFit/>
+          </a:bodyPr>
+          <a:lstStyle/>
+          <a:p>
+            <a:r>
+              <a:rPr lang="en-US" dirty="0" smtClean="0"/>
+              <a:t>Embedding Layers can be stacked to enable a Deep Memory Network </a:t>
+            </a:r>
+            <a:endParaRPr lang="en-US" dirty="0"/>
+          </a:p>
+        </p:txBody>
+      </p:sp>
+      <p:cxnSp>
+        <p:nvCxnSpPr>
+          <p:cNvPr id="11" name="Straight Connector 10"/>
+          <p:cNvCxnSpPr/>
+          <p:nvPr/>
+        </p:nvCxnSpPr>
+        <p:spPr>
+          <a:xfrm flipH="1" flipV="1">
+            <a:off x="2895600" y="2052771"/>
+            <a:ext cx="256157" cy="461829"/>
+          </a:xfrm>
+          <a:prstGeom prst="line">
+            <a:avLst/>
+          </a:prstGeom>
+          <a:ln w="19050">
+            <a:solidFill>
+              <a:schemeClr val="tx1"/>
+            </a:solidFill>
           </a:ln>
         </p:spPr>
         <p:style>
@@ -6349,141 +8175,9 @@
           <a:p>
             <a:r>
               <a:rPr lang="en-US" b="1" dirty="0" smtClean="0"/>
-              <a:t>Deeper Memory Network </a:t>
+              <a:t>Overviews of Models </a:t>
             </a:r>
             <a:endParaRPr lang="en-US" b="1" dirty="0"/>
-          </a:p>
-        </p:txBody>
-      </p:sp>
-      <p:sp>
-        <p:nvSpPr>
-          <p:cNvPr id="5" name="Rectangle 4"/>
-          <p:cNvSpPr/>
-          <p:nvPr/>
-        </p:nvSpPr>
-        <p:spPr>
-          <a:xfrm>
-            <a:off x="6134100" y="5257800"/>
-            <a:ext cx="1447800" cy="838200"/>
-          </a:xfrm>
-          <a:prstGeom prst="rect">
-            <a:avLst/>
-          </a:prstGeom>
-        </p:spPr>
-        <p:style>
-          <a:lnRef idx="2">
-            <a:schemeClr val="accent1">
-              <a:shade val="50000"/>
-            </a:schemeClr>
-          </a:lnRef>
-          <a:fillRef idx="1">
-            <a:schemeClr val="accent1"/>
-          </a:fillRef>
-          <a:effectRef idx="0">
-            <a:schemeClr val="accent1"/>
-          </a:effectRef>
-          <a:fontRef idx="minor">
-            <a:schemeClr val="lt1"/>
-          </a:fontRef>
-        </p:style>
-        <p:txBody>
-          <a:bodyPr rtlCol="0" anchor="ctr"/>
-          <a:lstStyle/>
-          <a:p>
-            <a:pPr algn="ctr"/>
-            <a:r>
-              <a:rPr lang="en-US" dirty="0" smtClean="0"/>
-              <a:t>Question</a:t>
-            </a:r>
-            <a:endParaRPr lang="en-US" dirty="0"/>
-          </a:p>
-        </p:txBody>
-      </p:sp>
-      <p:sp>
-        <p:nvSpPr>
-          <p:cNvPr id="6" name="Rectangle 5"/>
-          <p:cNvSpPr/>
-          <p:nvPr/>
-        </p:nvSpPr>
-        <p:spPr>
-          <a:xfrm>
-            <a:off x="2057400" y="4038600"/>
-            <a:ext cx="4800600" cy="838200"/>
-          </a:xfrm>
-          <a:prstGeom prst="rect">
-            <a:avLst/>
-          </a:prstGeom>
-        </p:spPr>
-        <p:style>
-          <a:lnRef idx="2">
-            <a:schemeClr val="accent1">
-              <a:shade val="50000"/>
-            </a:schemeClr>
-          </a:lnRef>
-          <a:fillRef idx="1">
-            <a:schemeClr val="accent1"/>
-          </a:fillRef>
-          <a:effectRef idx="0">
-            <a:schemeClr val="accent1"/>
-          </a:effectRef>
-          <a:fontRef idx="minor">
-            <a:schemeClr val="lt1"/>
-          </a:fontRef>
-        </p:style>
-        <p:txBody>
-          <a:bodyPr rtlCol="0" anchor="ctr"/>
-          <a:lstStyle/>
-          <a:p>
-            <a:pPr algn="ctr"/>
-            <a:r>
-              <a:rPr lang="en-US" dirty="0" smtClean="0"/>
-              <a:t>Memories</a:t>
-            </a:r>
-            <a:endParaRPr lang="en-US" dirty="0"/>
-          </a:p>
-        </p:txBody>
-      </p:sp>
-      <p:sp>
-        <p:nvSpPr>
-          <p:cNvPr id="7" name="Rectangle 6"/>
-          <p:cNvSpPr/>
-          <p:nvPr/>
-        </p:nvSpPr>
-        <p:spPr>
-          <a:xfrm>
-            <a:off x="2590800" y="3429000"/>
-            <a:ext cx="4343400" cy="381000"/>
-          </a:xfrm>
-          <a:prstGeom prst="rect">
-            <a:avLst/>
-          </a:prstGeom>
-        </p:spPr>
-        <p:style>
-          <a:lnRef idx="2">
-            <a:schemeClr val="dk1">
-              <a:shade val="50000"/>
-            </a:schemeClr>
-          </a:lnRef>
-          <a:fillRef idx="1">
-            <a:schemeClr val="dk1"/>
-          </a:fillRef>
-          <a:effectRef idx="0">
-            <a:schemeClr val="dk1"/>
-          </a:effectRef>
-          <a:fontRef idx="minor">
-            <a:schemeClr val="lt1"/>
-          </a:fontRef>
-        </p:style>
-        <p:txBody>
-          <a:bodyPr rtlCol="0" anchor="ctr"/>
-          <a:lstStyle/>
-          <a:p>
-            <a:pPr algn="ctr"/>
-            <a:r>
-              <a:rPr lang="en-US" dirty="0" err="1" smtClean="0"/>
-              <a:t>Softmax</a:t>
-            </a:r>
-            <a:endParaRPr lang="en-US" dirty="0"/>
           </a:p>
         </p:txBody>
       </p:sp>
@@ -6803,7 +8497,7 @@
                   </a:outerShdw>
                 </a:effectLst>
               </a:rPr>
-              <a:t>Brain Layer</a:t>
+              <a:t>Episodic Memory Layer (GRU)</a:t>
             </a:r>
             <a:endParaRPr lang="en-US" dirty="0">
               <a:ln w="18415" cmpd="sng">
@@ -6878,8 +8572,8 @@
         </p:nvSpPr>
         <p:spPr>
           <a:xfrm>
-            <a:off x="3499503" y="2479705"/>
-            <a:ext cx="3238144" cy="285750"/>
+            <a:off x="2750909" y="2622580"/>
+            <a:ext cx="1660981" cy="285750"/>
           </a:xfrm>
           <a:prstGeom prst="rect">
             <a:avLst/>
@@ -6956,7 +8650,7 @@
         </p:nvSpPr>
         <p:spPr>
           <a:xfrm>
-            <a:off x="6154040" y="3276600"/>
+            <a:off x="5696840" y="3276600"/>
             <a:ext cx="1371600" cy="609600"/>
           </a:xfrm>
           <a:prstGeom prst="rect">
@@ -7030,7 +8724,7 @@
             <a:pPr algn="ctr"/>
             <a:r>
               <a:rPr lang="en-US" dirty="0" smtClean="0"/>
-              <a:t>Sentence</a:t>
+              <a:t>Words</a:t>
             </a:r>
             <a:endParaRPr lang="en-US" dirty="0"/>
           </a:p>
@@ -7152,7 +8846,7 @@
             <a:pPr algn="ctr"/>
             <a:r>
               <a:rPr lang="en-US" dirty="0" smtClean="0"/>
-              <a:t>Sentence</a:t>
+              <a:t>Words</a:t>
             </a:r>
             <a:endParaRPr lang="en-US" dirty="0"/>
           </a:p>
@@ -7244,7 +8938,7 @@
         </p:nvSpPr>
         <p:spPr>
           <a:xfrm>
-            <a:off x="6858000" y="5066232"/>
+            <a:off x="6400800" y="5066232"/>
             <a:ext cx="1143000" cy="457200"/>
           </a:xfrm>
           <a:prstGeom prst="rect">
@@ -7288,7 +8982,7 @@
         </p:nvSpPr>
         <p:spPr>
           <a:xfrm>
-            <a:off x="6858000" y="4352925"/>
+            <a:off x="6400800" y="4352925"/>
             <a:ext cx="1143000" cy="438150"/>
           </a:xfrm>
           <a:prstGeom prst="rect">
@@ -7366,7 +9060,7 @@
         </p:nvSpPr>
         <p:spPr>
           <a:xfrm>
-            <a:off x="5562600" y="5066232"/>
+            <a:off x="5105400" y="5066232"/>
             <a:ext cx="1143000" cy="457200"/>
           </a:xfrm>
           <a:prstGeom prst="rect">
@@ -7410,7 +9104,7 @@
         </p:nvSpPr>
         <p:spPr>
           <a:xfrm>
-            <a:off x="5562600" y="4352925"/>
+            <a:off x="5105400" y="4352925"/>
             <a:ext cx="1143000" cy="438150"/>
           </a:xfrm>
           <a:prstGeom prst="rect">
@@ -7485,49 +9179,14 @@
           <p:cNvPr id="29" name="Straight Arrow Connector 28"/>
           <p:cNvCxnSpPr>
             <a:stCxn id="16" idx="0"/>
+            <a:endCxn id="17" idx="2"/>
           </p:cNvCxnSpPr>
           <p:nvPr/>
         </p:nvCxnSpPr>
         <p:spPr>
           <a:xfrm flipV="1">
-            <a:off x="3581400" y="2765455"/>
-            <a:ext cx="571500" cy="511145"/>
-          </a:xfrm>
-          <a:prstGeom prst="straightConnector1">
-            <a:avLst/>
-          </a:prstGeom>
-          <a:ln w="25400">
-            <a:headEnd type="arrow"/>
-            <a:tailEnd type="arrow"/>
-          </a:ln>
-        </p:spPr>
-        <p:style>
-          <a:lnRef idx="1">
-            <a:schemeClr val="accent1"/>
-          </a:lnRef>
-          <a:fillRef idx="0">
-            <a:schemeClr val="accent1"/>
-          </a:fillRef>
-          <a:effectRef idx="0">
-            <a:schemeClr val="accent1"/>
-          </a:effectRef>
-          <a:fontRef idx="minor">
-            <a:schemeClr val="tx1"/>
-          </a:fontRef>
-        </p:style>
-      </p:cxnSp>
-      <p:cxnSp>
-        <p:nvCxnSpPr>
-          <p:cNvPr id="30" name="Straight Arrow Connector 29"/>
-          <p:cNvCxnSpPr>
-            <a:stCxn id="19" idx="0"/>
-          </p:cNvCxnSpPr>
-          <p:nvPr/>
-        </p:nvCxnSpPr>
-        <p:spPr>
-          <a:xfrm flipH="1" flipV="1">
-            <a:off x="5943600" y="2765455"/>
-            <a:ext cx="896240" cy="511145"/>
+            <a:off x="3581400" y="2908330"/>
+            <a:ext cx="0" cy="368270"/>
           </a:xfrm>
           <a:prstGeom prst="straightConnector1">
             <a:avLst/>
@@ -7556,14 +9215,14 @@
         <p:nvCxnSpPr>
           <p:cNvPr id="34" name="Straight Arrow Connector 33"/>
           <p:cNvCxnSpPr>
-            <a:endCxn id="13" idx="2"/>
+            <a:stCxn id="17" idx="0"/>
           </p:cNvCxnSpPr>
           <p:nvPr/>
         </p:nvCxnSpPr>
         <p:spPr>
           <a:xfrm flipV="1">
-            <a:off x="5118575" y="2087488"/>
-            <a:ext cx="5697" cy="392218"/>
+            <a:off x="3581400" y="2087488"/>
+            <a:ext cx="577197" cy="535092"/>
           </a:xfrm>
           <a:prstGeom prst="straightConnector1">
             <a:avLst/>
@@ -7705,7 +9364,7 @@
         </p:nvCxnSpPr>
         <p:spPr>
           <a:xfrm flipV="1">
-            <a:off x="6154041" y="3886200"/>
+            <a:off x="5696841" y="3886200"/>
             <a:ext cx="685799" cy="466726"/>
           </a:xfrm>
           <a:prstGeom prst="straightConnector1">
@@ -7741,7 +9400,7 @@
         </p:nvCxnSpPr>
         <p:spPr>
           <a:xfrm flipH="1" flipV="1">
-            <a:off x="6839840" y="3886200"/>
+            <a:off x="6382640" y="3886200"/>
             <a:ext cx="589660" cy="466725"/>
           </a:xfrm>
           <a:prstGeom prst="straightConnector1">
@@ -7842,7 +9501,7 @@
         </p:nvCxnSpPr>
         <p:spPr>
           <a:xfrm flipV="1">
-            <a:off x="6134100" y="4791074"/>
+            <a:off x="5676900" y="4791074"/>
             <a:ext cx="0" cy="275158"/>
           </a:xfrm>
           <a:prstGeom prst="straightConnector1">
@@ -7875,7 +9534,7 @@
         </p:nvCxnSpPr>
         <p:spPr>
           <a:xfrm flipV="1">
-            <a:off x="7444811" y="4791075"/>
+            <a:off x="6987611" y="4791075"/>
             <a:ext cx="0" cy="275158"/>
           </a:xfrm>
           <a:prstGeom prst="straightConnector1">
@@ -8088,6 +9747,159 @@
           </a:p>
         </p:txBody>
       </p:sp>
+      <p:cxnSp>
+        <p:nvCxnSpPr>
+          <p:cNvPr id="42" name="Straight Arrow Connector 41"/>
+          <p:cNvCxnSpPr>
+            <a:stCxn id="44" idx="0"/>
+          </p:cNvCxnSpPr>
+          <p:nvPr/>
+        </p:nvCxnSpPr>
+        <p:spPr>
+          <a:xfrm flipH="1" flipV="1">
+            <a:off x="5958499" y="2087488"/>
+            <a:ext cx="289901" cy="535092"/>
+          </a:xfrm>
+          <a:prstGeom prst="straightConnector1">
+            <a:avLst/>
+          </a:prstGeom>
+          <a:ln w="25400">
+            <a:solidFill>
+              <a:schemeClr val="tx1"/>
+            </a:solidFill>
+            <a:headEnd type="arrow"/>
+            <a:tailEnd type="arrow"/>
+          </a:ln>
+        </p:spPr>
+        <p:style>
+          <a:lnRef idx="1">
+            <a:schemeClr val="accent1"/>
+          </a:lnRef>
+          <a:fillRef idx="0">
+            <a:schemeClr val="accent1"/>
+          </a:fillRef>
+          <a:effectRef idx="0">
+            <a:schemeClr val="accent1"/>
+          </a:effectRef>
+          <a:fontRef idx="minor">
+            <a:schemeClr val="tx1"/>
+          </a:fontRef>
+        </p:style>
+      </p:cxnSp>
+      <p:sp>
+        <p:nvSpPr>
+          <p:cNvPr id="44" name="Rectangle 43"/>
+          <p:cNvSpPr/>
+          <p:nvPr/>
+        </p:nvSpPr>
+        <p:spPr>
+          <a:xfrm>
+            <a:off x="5417909" y="2622580"/>
+            <a:ext cx="1660981" cy="285750"/>
+          </a:xfrm>
+          <a:prstGeom prst="rect">
+            <a:avLst/>
+          </a:prstGeom>
+        </p:spPr>
+        <p:style>
+          <a:lnRef idx="2">
+            <a:schemeClr val="dk1">
+              <a:shade val="50000"/>
+            </a:schemeClr>
+          </a:lnRef>
+          <a:fillRef idx="1">
+            <a:schemeClr val="dk1"/>
+          </a:fillRef>
+          <a:effectRef idx="0">
+            <a:schemeClr val="dk1"/>
+          </a:effectRef>
+          <a:fontRef idx="minor">
+            <a:schemeClr val="lt1"/>
+          </a:fontRef>
+        </p:style>
+        <p:txBody>
+          <a:bodyPr rtlCol="0" anchor="ctr"/>
+          <a:lstStyle/>
+          <a:p>
+            <a:pPr algn="ctr"/>
+            <a:r>
+              <a:rPr lang="en-US" dirty="0" smtClean="0">
+                <a:ln w="18415" cmpd="sng">
+                  <a:solidFill>
+                    <a:srgbClr val="FFFFFF"/>
+                  </a:solidFill>
+                  <a:prstDash val="solid"/>
+                </a:ln>
+                <a:solidFill>
+                  <a:srgbClr val="FFFFFF"/>
+                </a:solidFill>
+                <a:effectLst>
+                  <a:outerShdw blurRad="63500" dir="3600000" algn="tl" rotWithShape="0">
+                    <a:srgbClr val="000000">
+                      <a:alpha val="70000"/>
+                    </a:srgbClr>
+                  </a:outerShdw>
+                </a:effectLst>
+              </a:rPr>
+              <a:t>Gate Layer</a:t>
+            </a:r>
+            <a:endParaRPr lang="en-US" dirty="0">
+              <a:ln w="18415" cmpd="sng">
+                <a:solidFill>
+                  <a:srgbClr val="FFFFFF"/>
+                </a:solidFill>
+                <a:prstDash val="solid"/>
+              </a:ln>
+              <a:solidFill>
+                <a:srgbClr val="FFFFFF"/>
+              </a:solidFill>
+              <a:effectLst>
+                <a:outerShdw blurRad="63500" dir="3600000" algn="tl" rotWithShape="0">
+                  <a:srgbClr val="000000">
+                    <a:alpha val="70000"/>
+                  </a:srgbClr>
+                </a:outerShdw>
+              </a:effectLst>
+            </a:endParaRPr>
+          </a:p>
+        </p:txBody>
+      </p:sp>
+      <p:cxnSp>
+        <p:nvCxnSpPr>
+          <p:cNvPr id="46" name="Straight Arrow Connector 45"/>
+          <p:cNvCxnSpPr>
+            <a:endCxn id="44" idx="2"/>
+          </p:cNvCxnSpPr>
+          <p:nvPr/>
+        </p:nvCxnSpPr>
+        <p:spPr>
+          <a:xfrm flipV="1">
+            <a:off x="6248400" y="2908330"/>
+            <a:ext cx="0" cy="368270"/>
+          </a:xfrm>
+          <a:prstGeom prst="straightConnector1">
+            <a:avLst/>
+          </a:prstGeom>
+          <a:ln w="25400">
+            <a:headEnd type="arrow"/>
+            <a:tailEnd type="arrow"/>
+          </a:ln>
+        </p:spPr>
+        <p:style>
+          <a:lnRef idx="1">
+            <a:schemeClr val="accent1"/>
+          </a:lnRef>
+          <a:fillRef idx="0">
+            <a:schemeClr val="accent1"/>
+          </a:fillRef>
+          <a:effectRef idx="0">
+            <a:schemeClr val="accent1"/>
+          </a:effectRef>
+          <a:fontRef idx="minor">
+            <a:schemeClr val="tx1"/>
+          </a:fontRef>
+        </p:style>
+      </p:cxnSp>
     </p:spTree>
     <p:extLst>
       <p:ext uri="{BB962C8B-B14F-4D97-AF65-F5344CB8AC3E}">
@@ -8632,7 +10444,11 @@
           <a:p>
             <a:r>
               <a:rPr lang="en-US" b="1" dirty="0" smtClean="0"/>
-              <a:t>Babi Tasks (Facebook)</a:t>
+              <a:t>Babi </a:t>
+            </a:r>
+            <a:r>
+              <a:rPr lang="en-US" b="1" dirty="0" smtClean="0"/>
+              <a:t>Tasks</a:t>
             </a:r>
             <a:endParaRPr lang="en-US" b="1" dirty="0"/>
           </a:p>

--- a/Presentation/PresentationPPT.pptx
+++ b/Presentation/PresentationPPT.pptx
@@ -5,7 +5,7 @@
     <p:sldMasterId id="2147483648" r:id="rId1"/>
   </p:sldMasterIdLst>
   <p:notesMasterIdLst>
-    <p:notesMasterId r:id="rId15"/>
+    <p:notesMasterId r:id="rId14"/>
   </p:notesMasterIdLst>
   <p:sldIdLst>
     <p:sldId id="256" r:id="rId2"/>
@@ -17,10 +17,9 @@
     <p:sldId id="260" r:id="rId8"/>
     <p:sldId id="261" r:id="rId9"/>
     <p:sldId id="262" r:id="rId10"/>
-    <p:sldId id="265" r:id="rId11"/>
-    <p:sldId id="267" r:id="rId12"/>
-    <p:sldId id="264" r:id="rId13"/>
-    <p:sldId id="268" r:id="rId14"/>
+    <p:sldId id="267" r:id="rId11"/>
+    <p:sldId id="264" r:id="rId12"/>
+    <p:sldId id="268" r:id="rId13"/>
   </p:sldIdLst>
   <p:sldSz cx="9144000" cy="6858000" type="screen4x3"/>
   <p:notesSz cx="6858000" cy="9144000"/>
@@ -119,6 +118,22 @@
       </a:defRPr>
     </a:lvl9pPr>
   </p:defaultTextStyle>
+  <p:extLst>
+    <p:ext uri="{EFAFB233-063F-42B5-8137-9DF3F51BA10A}">
+      <p15:sldGuideLst xmlns:p15="http://schemas.microsoft.com/office/powerpoint/2012/main">
+        <p15:guide id="1" orient="horz" pos="2160">
+          <p15:clr>
+            <a:srgbClr val="A4A3A4"/>
+          </p15:clr>
+        </p15:guide>
+        <p15:guide id="2" pos="2880">
+          <p15:clr>
+            <a:srgbClr val="A4A3A4"/>
+          </p15:clr>
+        </p15:guide>
+      </p15:sldGuideLst>
+    </p:ext>
+  </p:extLst>
 </p:presentation>
 </file>
 
@@ -3505,7 +3520,6 @@
               <a:rPr lang="en-US" dirty="0"/>
               <a:t>Attention-Based and Memory-Based Neural Network Models on Large Q&amp;A Datasets</a:t>
             </a:r>
-            <a:endParaRPr lang="en-US" dirty="0"/>
           </a:p>
         </p:txBody>
       </p:sp>
@@ -3539,7 +3553,6 @@
               <a:rPr lang="en-US" dirty="0" smtClean="0"/>
               <a:t>Final Project</a:t>
             </a:r>
-            <a:endParaRPr lang="en-US" dirty="0" smtClean="0"/>
           </a:p>
           <a:p>
             <a:r>
@@ -3564,59 +3577,6 @@
 </file>
 
 <file path=ppt/slides/slide10.xml><?xml version="1.0" encoding="utf-8"?>
-<p:sld xmlns:a="http://schemas.openxmlformats.org/drawingml/2006/main" xmlns:r="http://schemas.openxmlformats.org/officeDocument/2006/relationships" xmlns:p="http://schemas.openxmlformats.org/presentationml/2006/main">
-  <p:cSld>
-    <p:spTree>
-      <p:nvGrpSpPr>
-        <p:cNvPr id="1" name=""/>
-        <p:cNvGrpSpPr/>
-        <p:nvPr/>
-      </p:nvGrpSpPr>
-      <p:grpSpPr>
-        <a:xfrm>
-          <a:off x="0" y="0"/>
-          <a:ext cx="0" cy="0"/>
-          <a:chOff x="0" y="0"/>
-          <a:chExt cx="0" cy="0"/>
-        </a:xfrm>
-      </p:grpSpPr>
-      <p:sp>
-        <p:nvSpPr>
-          <p:cNvPr id="2" name="Title 1"/>
-          <p:cNvSpPr>
-            <a:spLocks noGrp="1"/>
-          </p:cNvSpPr>
-          <p:nvPr>
-            <p:ph type="title"/>
-          </p:nvPr>
-        </p:nvSpPr>
-        <p:spPr/>
-        <p:txBody>
-          <a:bodyPr/>
-          <a:lstStyle/>
-          <a:p>
-            <a:r>
-              <a:rPr lang="en-US" dirty="0" smtClean="0"/>
-              <a:t>Experimental Methodology</a:t>
-            </a:r>
-            <a:endParaRPr lang="en-US" dirty="0"/>
-          </a:p>
-        </p:txBody>
-      </p:sp>
-    </p:spTree>
-    <p:extLst>
-      <p:ext uri="{BB962C8B-B14F-4D97-AF65-F5344CB8AC3E}">
-        <p14:creationId xmlns:p14="http://schemas.microsoft.com/office/powerpoint/2010/main" val="3091518183"/>
-      </p:ext>
-    </p:extLst>
-  </p:cSld>
-  <p:clrMapOvr>
-    <a:masterClrMapping/>
-  </p:clrMapOvr>
-</p:sld>
-</file>
-
-<file path=ppt/slides/slide11.xml><?xml version="1.0" encoding="utf-8"?>
 <p:sld xmlns:a="http://schemas.openxmlformats.org/drawingml/2006/main" xmlns:r="http://schemas.openxmlformats.org/officeDocument/2006/relationships" xmlns:p="http://schemas.openxmlformats.org/presentationml/2006/main">
   <p:cSld>
     <p:spTree>
@@ -4063,11 +4023,7 @@
                       </a:r>
                       <a:r>
                         <a:rPr lang="en-US" baseline="0" dirty="0" smtClean="0"/>
-                        <a:t> </a:t>
-                      </a:r>
-                      <a:r>
-                        <a:rPr lang="en-US" baseline="0" dirty="0" smtClean="0"/>
-                        <a:t>(3,000 Ex)</a:t>
+                        <a:t> (3,000 Ex)</a:t>
                       </a:r>
                       <a:endParaRPr lang="en-US" dirty="0"/>
                     </a:p>
@@ -4196,7 +4152,7 @@
 </p:sld>
 </file>
 
-<file path=ppt/slides/slide12.xml><?xml version="1.0" encoding="utf-8"?>
+<file path=ppt/slides/slide11.xml><?xml version="1.0" encoding="utf-8"?>
 <p:sld xmlns:a="http://schemas.openxmlformats.org/drawingml/2006/main" xmlns:r="http://schemas.openxmlformats.org/officeDocument/2006/relationships" xmlns:p="http://schemas.openxmlformats.org/presentationml/2006/main">
   <p:cSld>
     <p:spTree>
@@ -4235,11 +4191,7 @@
           <a:p>
             <a:r>
               <a:rPr lang="en-US" b="1" dirty="0" smtClean="0"/>
-              <a:t>Conclusions </a:t>
-            </a:r>
-            <a:r>
-              <a:rPr lang="en-US" b="1" dirty="0" smtClean="0"/>
-              <a:t>/ Next Steps </a:t>
+              <a:t>Conclusions / Next Steps </a:t>
             </a:r>
             <a:endParaRPr lang="en-US" b="1" dirty="0"/>
           </a:p>
@@ -4278,15 +4230,7 @@
             </a:pPr>
             <a:r>
               <a:rPr lang="en-US" sz="2700" dirty="0" smtClean="0"/>
-              <a:t>Definitely </a:t>
-            </a:r>
-            <a:r>
-              <a:rPr lang="en-US" sz="2700" dirty="0" smtClean="0"/>
-              <a:t>improvement in results of Memory Network Model vs. simple GRU </a:t>
-            </a:r>
-            <a:r>
-              <a:rPr lang="en-US" sz="2700" dirty="0" smtClean="0"/>
-              <a:t>model   </a:t>
+              <a:t>Definitely improvement in results of Memory Network Model vs. simple GRU model   </a:t>
             </a:r>
           </a:p>
           <a:p>
@@ -4304,7 +4248,6 @@
               <a:rPr lang="en-US" sz="2700" dirty="0" smtClean="0"/>
               <a:t>Models work considerably better with larger datasets</a:t>
             </a:r>
-            <a:endParaRPr lang="en-US" sz="2700" dirty="0" smtClean="0"/>
           </a:p>
           <a:p>
             <a:pPr marL="0" indent="0">
@@ -4358,7 +4301,7 @@
 </p:sld>
 </file>
 
-<file path=ppt/slides/slide13.xml><?xml version="1.0" encoding="utf-8"?>
+<file path=ppt/slides/slide12.xml><?xml version="1.0" encoding="utf-8"?>
 <p:sld xmlns:a="http://schemas.openxmlformats.org/drawingml/2006/main" xmlns:r="http://schemas.openxmlformats.org/officeDocument/2006/relationships" xmlns:p="http://schemas.openxmlformats.org/presentationml/2006/main">
   <p:cSld>
     <p:spTree>
@@ -5827,11 +5770,7 @@
           <a:p>
             <a:r>
               <a:rPr lang="en-US" b="1" dirty="0" smtClean="0"/>
-              <a:t>GRU </a:t>
-            </a:r>
-            <a:r>
-              <a:rPr lang="en-US" b="1" dirty="0" smtClean="0"/>
-              <a:t>Encoder Baseline</a:t>
+              <a:t>GRU Encoder Baseline</a:t>
             </a:r>
             <a:endParaRPr lang="en-US" b="1" dirty="0"/>
           </a:p>
@@ -7556,7 +7495,6 @@
               <a:rPr lang="en-US" b="1" dirty="0"/>
               <a:t>C</a:t>
             </a:r>
-            <a:endParaRPr lang="en-US" b="1" dirty="0"/>
           </a:p>
         </p:txBody>
       </p:sp>
@@ -8175,7 +8113,11 @@
           <a:p>
             <a:r>
               <a:rPr lang="en-US" b="1" dirty="0" smtClean="0"/>
-              <a:t>Overviews of Models </a:t>
+              <a:t>Advantages of </a:t>
+            </a:r>
+            <a:r>
+              <a:rPr lang="en-US" b="1" dirty="0" smtClean="0"/>
+              <a:t>Models </a:t>
             </a:r>
             <a:endParaRPr lang="en-US" b="1" dirty="0"/>
           </a:p>
@@ -10444,11 +10386,7 @@
           <a:p>
             <a:r>
               <a:rPr lang="en-US" b="1" dirty="0" smtClean="0"/>
-              <a:t>Babi </a:t>
-            </a:r>
-            <a:r>
-              <a:rPr lang="en-US" b="1" dirty="0" smtClean="0"/>
-              <a:t>Tasks</a:t>
+              <a:t>Babi Tasks</a:t>
             </a:r>
             <a:endParaRPr lang="en-US" b="1" dirty="0"/>
           </a:p>
